--- a/slides/14-main.pptx
+++ b/slides/14-main.pptx
@@ -221,7 +221,7 @@
           <a:p>
             <a:fld id="{3CBB8A52-8AC5-C74C-97FB-632C448F3674}" type="datetimeFigureOut">
               <a:rPr lang="en-US" smtClean="0"/>
-              <a:t>9/28/23</a:t>
+              <a:t>2/12/24</a:t>
             </a:fld>
             <a:endParaRPr lang="en-US"/>
           </a:p>
@@ -1247,7 +1247,7 @@
             <a:fld id="{5586B75A-687E-405C-8A0B-8D00578BA2C3}" type="datetimeFigureOut">
               <a:rPr lang="en-US" smtClean="0"/>
               <a:pPr/>
-              <a:t>9/28/23</a:t>
+              <a:t>2/12/24</a:t>
             </a:fld>
             <a:endParaRPr lang="en-US" dirty="0"/>
           </a:p>
@@ -1419,7 +1419,7 @@
             <a:fld id="{5586B75A-687E-405C-8A0B-8D00578BA2C3}" type="datetimeFigureOut">
               <a:rPr lang="en-US" smtClean="0"/>
               <a:pPr/>
-              <a:t>9/28/23</a:t>
+              <a:t>2/12/24</a:t>
             </a:fld>
             <a:endParaRPr lang="en-US" dirty="0"/>
           </a:p>
@@ -1601,7 +1601,7 @@
             <a:fld id="{5586B75A-687E-405C-8A0B-8D00578BA2C3}" type="datetimeFigureOut">
               <a:rPr lang="en-US" smtClean="0"/>
               <a:pPr/>
-              <a:t>9/28/23</a:t>
+              <a:t>2/12/24</a:t>
             </a:fld>
             <a:endParaRPr lang="en-US" dirty="0"/>
           </a:p>
@@ -1773,7 +1773,7 @@
             <a:fld id="{5586B75A-687E-405C-8A0B-8D00578BA2C3}" type="datetimeFigureOut">
               <a:rPr lang="en-US" smtClean="0"/>
               <a:pPr/>
-              <a:t>9/28/23</a:t>
+              <a:t>2/12/24</a:t>
             </a:fld>
             <a:endParaRPr lang="en-US" dirty="0"/>
           </a:p>
@@ -2029,7 +2029,7 @@
             <a:fld id="{5586B75A-687E-405C-8A0B-8D00578BA2C3}" type="datetimeFigureOut">
               <a:rPr lang="en-US" smtClean="0"/>
               <a:pPr/>
-              <a:t>9/28/23</a:t>
+              <a:t>2/12/24</a:t>
             </a:fld>
             <a:endParaRPr lang="en-US" dirty="0"/>
           </a:p>
@@ -2319,7 +2319,7 @@
             <a:fld id="{5586B75A-687E-405C-8A0B-8D00578BA2C3}" type="datetimeFigureOut">
               <a:rPr lang="en-US" smtClean="0"/>
               <a:pPr/>
-              <a:t>9/28/23</a:t>
+              <a:t>2/12/24</a:t>
             </a:fld>
             <a:endParaRPr lang="en-US" dirty="0"/>
           </a:p>
@@ -2763,7 +2763,7 @@
             <a:fld id="{5586B75A-687E-405C-8A0B-8D00578BA2C3}" type="datetimeFigureOut">
               <a:rPr lang="en-US" smtClean="0"/>
               <a:pPr/>
-              <a:t>9/28/23</a:t>
+              <a:t>2/12/24</a:t>
             </a:fld>
             <a:endParaRPr lang="en-US" dirty="0"/>
           </a:p>
@@ -2883,7 +2883,7 @@
             <a:fld id="{5586B75A-687E-405C-8A0B-8D00578BA2C3}" type="datetimeFigureOut">
               <a:rPr lang="en-US" smtClean="0"/>
               <a:pPr/>
-              <a:t>9/28/23</a:t>
+              <a:t>2/12/24</a:t>
             </a:fld>
             <a:endParaRPr lang="en-US" dirty="0"/>
           </a:p>
@@ -2980,7 +2980,7 @@
             <a:fld id="{5586B75A-687E-405C-8A0B-8D00578BA2C3}" type="datetimeFigureOut">
               <a:rPr lang="en-US" smtClean="0"/>
               <a:pPr/>
-              <a:t>9/28/23</a:t>
+              <a:t>2/12/24</a:t>
             </a:fld>
             <a:endParaRPr lang="en-US" dirty="0"/>
           </a:p>
@@ -3270,7 +3270,7 @@
             <a:fld id="{5586B75A-687E-405C-8A0B-8D00578BA2C3}" type="datetimeFigureOut">
               <a:rPr lang="en-US" smtClean="0"/>
               <a:pPr/>
-              <a:t>9/28/23</a:t>
+              <a:t>2/12/24</a:t>
             </a:fld>
             <a:endParaRPr lang="en-US" dirty="0"/>
           </a:p>
@@ -3545,7 +3545,7 @@
             <a:fld id="{5586B75A-687E-405C-8A0B-8D00578BA2C3}" type="datetimeFigureOut">
               <a:rPr lang="en-US" smtClean="0"/>
               <a:pPr/>
-              <a:t>9/28/23</a:t>
+              <a:t>2/12/24</a:t>
             </a:fld>
             <a:endParaRPr lang="en-US" dirty="0"/>
           </a:p>
@@ -3844,7 +3844,7 @@
             <a:fld id="{5586B75A-687E-405C-8A0B-8D00578BA2C3}" type="datetimeFigureOut">
               <a:rPr lang="en-US" smtClean="0"/>
               <a:pPr/>
-              <a:t>9/28/23</a:t>
+              <a:t>2/12/24</a:t>
             </a:fld>
             <a:endParaRPr lang="en-US" dirty="0"/>
           </a:p>
@@ -4347,13 +4347,13 @@
         <p:spPr/>
         <p:txBody>
           <a:bodyPr>
-            <a:normAutofit fontScale="90000"/>
+            <a:normAutofit/>
           </a:bodyPr>
           <a:lstStyle/>
           <a:p>
             <a:r>
               <a:rPr lang="en-US" dirty="0"/>
-              <a:t>Why Does My Computer Do That? Intro to Coding with Python– </a:t>
+              <a:t>Intro to Coding with Python– </a:t>
             </a:r>
             <a:r>
               <a:rPr lang="en-US" dirty="0">
@@ -4963,7 +4963,7 @@
                 <a:latin typeface="Arial" panose="020B0604020202020204" pitchFamily="34" charset="0"/>
                 <a:cs typeface="Arial" panose="020B0604020202020204" pitchFamily="34" charset="0"/>
               </a:rPr>
-              <a:t> box and follows the instructions it finds there</a:t>
+              <a:t> function definition and follows the instructions it finds there</a:t>
             </a:r>
             <a:endParaRPr lang="en-US" sz="2400" b="1" dirty="0"/>
           </a:p>

--- a/slides/14-main.pptx
+++ b/slides/14-main.pptx
@@ -221,7 +221,7 @@
           <a:p>
             <a:fld id="{3CBB8A52-8AC5-C74C-97FB-632C448F3674}" type="datetimeFigureOut">
               <a:rPr lang="en-US" smtClean="0"/>
-              <a:t>2/12/24</a:t>
+              <a:t>2/14/24</a:t>
             </a:fld>
             <a:endParaRPr lang="en-US"/>
           </a:p>
@@ -871,34 +871,7 @@
           <a:bodyPr/>
           <a:lstStyle/>
           <a:p>
-            <a:r>
-              <a:rPr lang="en-US" dirty="0"/>
-              <a:t>https://</a:t>
-            </a:r>
-            <a:r>
-              <a:rPr lang="en-US" dirty="0" err="1"/>
-              <a:t>replit.com</a:t>
-            </a:r>
-            <a:r>
-              <a:rPr lang="en-US" dirty="0"/>
-              <a:t>/@</a:t>
-            </a:r>
-            <a:r>
-              <a:rPr lang="en-US" dirty="0" err="1"/>
-              <a:t>AbMosca</a:t>
-            </a:r>
-            <a:r>
-              <a:rPr lang="en-US" dirty="0"/>
-              <a:t>/</a:t>
-            </a:r>
-            <a:r>
-              <a:rPr lang="en-US" dirty="0" err="1"/>
-              <a:t>temp#main.py</a:t>
-            </a:r>
-            <a:r>
-              <a:rPr lang="en-US" dirty="0"/>
-              <a:t> </a:t>
-            </a:r>
+            <a:endParaRPr lang="en-US" dirty="0"/>
           </a:p>
         </p:txBody>
       </p:sp>
@@ -1247,7 +1220,7 @@
             <a:fld id="{5586B75A-687E-405C-8A0B-8D00578BA2C3}" type="datetimeFigureOut">
               <a:rPr lang="en-US" smtClean="0"/>
               <a:pPr/>
-              <a:t>2/12/24</a:t>
+              <a:t>2/14/24</a:t>
             </a:fld>
             <a:endParaRPr lang="en-US" dirty="0"/>
           </a:p>
@@ -1419,7 +1392,7 @@
             <a:fld id="{5586B75A-687E-405C-8A0B-8D00578BA2C3}" type="datetimeFigureOut">
               <a:rPr lang="en-US" smtClean="0"/>
               <a:pPr/>
-              <a:t>2/12/24</a:t>
+              <a:t>2/14/24</a:t>
             </a:fld>
             <a:endParaRPr lang="en-US" dirty="0"/>
           </a:p>
@@ -1601,7 +1574,7 @@
             <a:fld id="{5586B75A-687E-405C-8A0B-8D00578BA2C3}" type="datetimeFigureOut">
               <a:rPr lang="en-US" smtClean="0"/>
               <a:pPr/>
-              <a:t>2/12/24</a:t>
+              <a:t>2/14/24</a:t>
             </a:fld>
             <a:endParaRPr lang="en-US" dirty="0"/>
           </a:p>
@@ -1773,7 +1746,7 @@
             <a:fld id="{5586B75A-687E-405C-8A0B-8D00578BA2C3}" type="datetimeFigureOut">
               <a:rPr lang="en-US" smtClean="0"/>
               <a:pPr/>
-              <a:t>2/12/24</a:t>
+              <a:t>2/14/24</a:t>
             </a:fld>
             <a:endParaRPr lang="en-US" dirty="0"/>
           </a:p>
@@ -2029,7 +2002,7 @@
             <a:fld id="{5586B75A-687E-405C-8A0B-8D00578BA2C3}" type="datetimeFigureOut">
               <a:rPr lang="en-US" smtClean="0"/>
               <a:pPr/>
-              <a:t>2/12/24</a:t>
+              <a:t>2/14/24</a:t>
             </a:fld>
             <a:endParaRPr lang="en-US" dirty="0"/>
           </a:p>
@@ -2319,7 +2292,7 @@
             <a:fld id="{5586B75A-687E-405C-8A0B-8D00578BA2C3}" type="datetimeFigureOut">
               <a:rPr lang="en-US" smtClean="0"/>
               <a:pPr/>
-              <a:t>2/12/24</a:t>
+              <a:t>2/14/24</a:t>
             </a:fld>
             <a:endParaRPr lang="en-US" dirty="0"/>
           </a:p>
@@ -2763,7 +2736,7 @@
             <a:fld id="{5586B75A-687E-405C-8A0B-8D00578BA2C3}" type="datetimeFigureOut">
               <a:rPr lang="en-US" smtClean="0"/>
               <a:pPr/>
-              <a:t>2/12/24</a:t>
+              <a:t>2/14/24</a:t>
             </a:fld>
             <a:endParaRPr lang="en-US" dirty="0"/>
           </a:p>
@@ -2883,7 +2856,7 @@
             <a:fld id="{5586B75A-687E-405C-8A0B-8D00578BA2C3}" type="datetimeFigureOut">
               <a:rPr lang="en-US" smtClean="0"/>
               <a:pPr/>
-              <a:t>2/12/24</a:t>
+              <a:t>2/14/24</a:t>
             </a:fld>
             <a:endParaRPr lang="en-US" dirty="0"/>
           </a:p>
@@ -2980,7 +2953,7 @@
             <a:fld id="{5586B75A-687E-405C-8A0B-8D00578BA2C3}" type="datetimeFigureOut">
               <a:rPr lang="en-US" smtClean="0"/>
               <a:pPr/>
-              <a:t>2/12/24</a:t>
+              <a:t>2/14/24</a:t>
             </a:fld>
             <a:endParaRPr lang="en-US" dirty="0"/>
           </a:p>
@@ -3270,7 +3243,7 @@
             <a:fld id="{5586B75A-687E-405C-8A0B-8D00578BA2C3}" type="datetimeFigureOut">
               <a:rPr lang="en-US" smtClean="0"/>
               <a:pPr/>
-              <a:t>2/12/24</a:t>
+              <a:t>2/14/24</a:t>
             </a:fld>
             <a:endParaRPr lang="en-US" dirty="0"/>
           </a:p>
@@ -3545,7 +3518,7 @@
             <a:fld id="{5586B75A-687E-405C-8A0B-8D00578BA2C3}" type="datetimeFigureOut">
               <a:rPr lang="en-US" smtClean="0"/>
               <a:pPr/>
-              <a:t>2/12/24</a:t>
+              <a:t>2/14/24</a:t>
             </a:fld>
             <a:endParaRPr lang="en-US" dirty="0"/>
           </a:p>
@@ -3844,7 +3817,7 @@
             <a:fld id="{5586B75A-687E-405C-8A0B-8D00578BA2C3}" type="datetimeFigureOut">
               <a:rPr lang="en-US" smtClean="0"/>
               <a:pPr/>
-              <a:t>2/12/24</a:t>
+              <a:t>2/14/24</a:t>
             </a:fld>
             <a:endParaRPr lang="en-US" dirty="0"/>
           </a:p>

--- a/slides/14-main.pptx
+++ b/slides/14-main.pptx
@@ -5,7 +5,7 @@
     <p:sldMasterId id="2147483852" r:id="rId1"/>
   </p:sldMasterIdLst>
   <p:notesMasterIdLst>
-    <p:notesMasterId r:id="rId27"/>
+    <p:notesMasterId r:id="rId28"/>
   </p:notesMasterIdLst>
   <p:sldIdLst>
     <p:sldId id="256" r:id="rId2"/>
@@ -16,23 +16,24 @@
     <p:sldId id="373" r:id="rId7"/>
     <p:sldId id="365" r:id="rId8"/>
     <p:sldId id="367" r:id="rId9"/>
-    <p:sldId id="399" r:id="rId10"/>
-    <p:sldId id="400" r:id="rId11"/>
-    <p:sldId id="370" r:id="rId12"/>
-    <p:sldId id="371" r:id="rId13"/>
-    <p:sldId id="372" r:id="rId14"/>
-    <p:sldId id="401" r:id="rId15"/>
+    <p:sldId id="370" r:id="rId10"/>
+    <p:sldId id="371" r:id="rId11"/>
+    <p:sldId id="372" r:id="rId12"/>
+    <p:sldId id="401" r:id="rId13"/>
+    <p:sldId id="403" r:id="rId14"/>
+    <p:sldId id="404" r:id="rId15"/>
     <p:sldId id="402" r:id="rId16"/>
-    <p:sldId id="388" r:id="rId17"/>
-    <p:sldId id="389" r:id="rId18"/>
-    <p:sldId id="391" r:id="rId19"/>
-    <p:sldId id="392" r:id="rId20"/>
-    <p:sldId id="393" r:id="rId21"/>
-    <p:sldId id="390" r:id="rId22"/>
-    <p:sldId id="374" r:id="rId23"/>
-    <p:sldId id="395" r:id="rId24"/>
-    <p:sldId id="396" r:id="rId25"/>
-    <p:sldId id="398" r:id="rId26"/>
+    <p:sldId id="405" r:id="rId17"/>
+    <p:sldId id="388" r:id="rId18"/>
+    <p:sldId id="389" r:id="rId19"/>
+    <p:sldId id="391" r:id="rId20"/>
+    <p:sldId id="392" r:id="rId21"/>
+    <p:sldId id="393" r:id="rId22"/>
+    <p:sldId id="390" r:id="rId23"/>
+    <p:sldId id="374" r:id="rId24"/>
+    <p:sldId id="395" r:id="rId25"/>
+    <p:sldId id="396" r:id="rId26"/>
+    <p:sldId id="398" r:id="rId27"/>
   </p:sldIdLst>
   <p:sldSz cx="12192000" cy="6858000"/>
   <p:notesSz cx="6858000" cy="9144000"/>
@@ -221,7 +222,7 @@
           <a:p>
             <a:fld id="{3CBB8A52-8AC5-C74C-97FB-632C448F3674}" type="datetimeFigureOut">
               <a:rPr lang="en-US" smtClean="0"/>
-              <a:t>2/14/24</a:t>
+              <a:t>2/20/24</a:t>
             </a:fld>
             <a:endParaRPr lang="en-US"/>
           </a:p>
@@ -575,6 +576,174 @@
 </p:notes>
 </file>
 
+<file path=ppt/notesSlides/notesSlide10.xml><?xml version="1.0" encoding="utf-8"?>
+<p:notes xmlns:a="http://schemas.openxmlformats.org/drawingml/2006/main" xmlns:r="http://schemas.openxmlformats.org/officeDocument/2006/relationships" xmlns:p="http://schemas.openxmlformats.org/presentationml/2006/main">
+  <p:cSld>
+    <p:spTree>
+      <p:nvGrpSpPr>
+        <p:cNvPr id="1" name=""/>
+        <p:cNvGrpSpPr/>
+        <p:nvPr/>
+      </p:nvGrpSpPr>
+      <p:grpSpPr>
+        <a:xfrm>
+          <a:off x="0" y="0"/>
+          <a:ext cx="0" cy="0"/>
+          <a:chOff x="0" y="0"/>
+          <a:chExt cx="0" cy="0"/>
+        </a:xfrm>
+      </p:grpSpPr>
+      <p:sp>
+        <p:nvSpPr>
+          <p:cNvPr id="2" name="Slide Image Placeholder 1"/>
+          <p:cNvSpPr>
+            <a:spLocks noGrp="1" noRot="1" noChangeAspect="1"/>
+          </p:cNvSpPr>
+          <p:nvPr>
+            <p:ph type="sldImg"/>
+          </p:nvPr>
+        </p:nvSpPr>
+        <p:spPr/>
+      </p:sp>
+      <p:sp>
+        <p:nvSpPr>
+          <p:cNvPr id="3" name="Notes Placeholder 2"/>
+          <p:cNvSpPr>
+            <a:spLocks noGrp="1"/>
+          </p:cNvSpPr>
+          <p:nvPr>
+            <p:ph type="body" idx="1"/>
+          </p:nvPr>
+        </p:nvSpPr>
+        <p:spPr/>
+        <p:txBody>
+          <a:bodyPr/>
+          <a:lstStyle/>
+          <a:p>
+            <a:endParaRPr lang="en-US" dirty="0"/>
+          </a:p>
+        </p:txBody>
+      </p:sp>
+      <p:sp>
+        <p:nvSpPr>
+          <p:cNvPr id="4" name="Slide Number Placeholder 3"/>
+          <p:cNvSpPr>
+            <a:spLocks noGrp="1"/>
+          </p:cNvSpPr>
+          <p:nvPr>
+            <p:ph type="sldNum" sz="quarter" idx="10"/>
+          </p:nvPr>
+        </p:nvSpPr>
+        <p:spPr/>
+        <p:txBody>
+          <a:bodyPr/>
+          <a:lstStyle/>
+          <a:p>
+            <a:fld id="{77F12483-E947-6F4E-A75E-B2E677827779}" type="slidenum">
+              <a:rPr lang="en-US" smtClean="0"/>
+              <a:t>22</a:t>
+            </a:fld>
+            <a:endParaRPr lang="en-US"/>
+          </a:p>
+        </p:txBody>
+      </p:sp>
+    </p:spTree>
+    <p:extLst>
+      <p:ext uri="{BB962C8B-B14F-4D97-AF65-F5344CB8AC3E}">
+        <p14:creationId xmlns:p14="http://schemas.microsoft.com/office/powerpoint/2010/main" val="3454147832"/>
+      </p:ext>
+    </p:extLst>
+  </p:cSld>
+  <p:clrMapOvr>
+    <a:masterClrMapping/>
+  </p:clrMapOvr>
+</p:notes>
+</file>
+
+<file path=ppt/notesSlides/notesSlide11.xml><?xml version="1.0" encoding="utf-8"?>
+<p:notes xmlns:a="http://schemas.openxmlformats.org/drawingml/2006/main" xmlns:r="http://schemas.openxmlformats.org/officeDocument/2006/relationships" xmlns:p="http://schemas.openxmlformats.org/presentationml/2006/main">
+  <p:cSld>
+    <p:spTree>
+      <p:nvGrpSpPr>
+        <p:cNvPr id="1" name=""/>
+        <p:cNvGrpSpPr/>
+        <p:nvPr/>
+      </p:nvGrpSpPr>
+      <p:grpSpPr>
+        <a:xfrm>
+          <a:off x="0" y="0"/>
+          <a:ext cx="0" cy="0"/>
+          <a:chOff x="0" y="0"/>
+          <a:chExt cx="0" cy="0"/>
+        </a:xfrm>
+      </p:grpSpPr>
+      <p:sp>
+        <p:nvSpPr>
+          <p:cNvPr id="2" name="Slide Image Placeholder 1"/>
+          <p:cNvSpPr>
+            <a:spLocks noGrp="1" noRot="1" noChangeAspect="1"/>
+          </p:cNvSpPr>
+          <p:nvPr>
+            <p:ph type="sldImg"/>
+          </p:nvPr>
+        </p:nvSpPr>
+        <p:spPr/>
+      </p:sp>
+      <p:sp>
+        <p:nvSpPr>
+          <p:cNvPr id="3" name="Notes Placeholder 2"/>
+          <p:cNvSpPr>
+            <a:spLocks noGrp="1"/>
+          </p:cNvSpPr>
+          <p:nvPr>
+            <p:ph type="body" idx="1"/>
+          </p:nvPr>
+        </p:nvSpPr>
+        <p:spPr/>
+        <p:txBody>
+          <a:bodyPr/>
+          <a:lstStyle/>
+          <a:p>
+            <a:endParaRPr lang="en-US" dirty="0"/>
+          </a:p>
+        </p:txBody>
+      </p:sp>
+      <p:sp>
+        <p:nvSpPr>
+          <p:cNvPr id="4" name="Slide Number Placeholder 3"/>
+          <p:cNvSpPr>
+            <a:spLocks noGrp="1"/>
+          </p:cNvSpPr>
+          <p:nvPr>
+            <p:ph type="sldNum" sz="quarter" idx="10"/>
+          </p:nvPr>
+        </p:nvSpPr>
+        <p:spPr/>
+        <p:txBody>
+          <a:bodyPr/>
+          <a:lstStyle/>
+          <a:p>
+            <a:fld id="{77F12483-E947-6F4E-A75E-B2E677827779}" type="slidenum">
+              <a:rPr lang="en-US" smtClean="0"/>
+              <a:t>24</a:t>
+            </a:fld>
+            <a:endParaRPr lang="en-US"/>
+          </a:p>
+        </p:txBody>
+      </p:sp>
+    </p:spTree>
+    <p:extLst>
+      <p:ext uri="{BB962C8B-B14F-4D97-AF65-F5344CB8AC3E}">
+        <p14:creationId xmlns:p14="http://schemas.microsoft.com/office/powerpoint/2010/main" val="155794739"/>
+      </p:ext>
+    </p:extLst>
+  </p:cSld>
+  <p:clrMapOvr>
+    <a:masterClrMapping/>
+  </p:clrMapOvr>
+</p:notes>
+</file>
+
 <file path=ppt/notesSlides/notesSlide2.xml><?xml version="1.0" encoding="utf-8"?>
 <p:notes xmlns:a="http://schemas.openxmlformats.org/drawingml/2006/main" xmlns:r="http://schemas.openxmlformats.org/officeDocument/2006/relationships" xmlns:p="http://schemas.openxmlformats.org/presentationml/2006/main">
   <p:cSld>
@@ -640,7 +809,7 @@
           <a:p>
             <a:fld id="{E666506D-5C9B-294C-B2AE-15ACE8B5B9F7}" type="slidenum">
               <a:rPr lang="en-US" smtClean="0"/>
-              <a:t>14</a:t>
+              <a:t>12</a:t>
             </a:fld>
             <a:endParaRPr lang="en-US"/>
           </a:p>
@@ -664,7 +833,13 @@
   <p:cSld>
     <p:spTree>
       <p:nvGrpSpPr>
-        <p:cNvPr id="1" name=""/>
+        <p:cNvPr id="1" name="">
+          <a:extLst>
+            <a:ext uri="{FF2B5EF4-FFF2-40B4-BE49-F238E27FC236}">
+              <a16:creationId xmlns:a16="http://schemas.microsoft.com/office/drawing/2014/main" id="{ED57F73B-ED36-24DC-0216-ACE6EAED54A0}"/>
+            </a:ext>
+          </a:extLst>
+        </p:cNvPr>
         <p:cNvGrpSpPr/>
         <p:nvPr/>
       </p:nvGrpSpPr>
@@ -678,7 +853,13 @@
       </p:grpSpPr>
       <p:sp>
         <p:nvSpPr>
-          <p:cNvPr id="2" name="Slide Image Placeholder 1"/>
+          <p:cNvPr id="2" name="Slide Image Placeholder 1">
+            <a:extLst>
+              <a:ext uri="{FF2B5EF4-FFF2-40B4-BE49-F238E27FC236}">
+                <a16:creationId xmlns:a16="http://schemas.microsoft.com/office/drawing/2014/main" id="{CBF4100C-65DE-7DAD-8C98-5F253DF5FE57}"/>
+              </a:ext>
+            </a:extLst>
+          </p:cNvPr>
           <p:cNvSpPr>
             <a:spLocks noGrp="1" noRot="1" noChangeAspect="1"/>
           </p:cNvSpPr>
@@ -690,7 +871,13 @@
       </p:sp>
       <p:sp>
         <p:nvSpPr>
-          <p:cNvPr id="3" name="Notes Placeholder 2"/>
+          <p:cNvPr id="3" name="Notes Placeholder 2">
+            <a:extLst>
+              <a:ext uri="{FF2B5EF4-FFF2-40B4-BE49-F238E27FC236}">
+                <a16:creationId xmlns:a16="http://schemas.microsoft.com/office/drawing/2014/main" id="{E71A7351-D6F5-8B84-52E4-4EC6F43C54F6}"/>
+              </a:ext>
+            </a:extLst>
+          </p:cNvPr>
           <p:cNvSpPr>
             <a:spLocks noGrp="1"/>
           </p:cNvSpPr>
@@ -709,7 +896,13 @@
       </p:sp>
       <p:sp>
         <p:nvSpPr>
-          <p:cNvPr id="4" name="Slide Number Placeholder 3"/>
+          <p:cNvPr id="4" name="Slide Number Placeholder 3">
+            <a:extLst>
+              <a:ext uri="{FF2B5EF4-FFF2-40B4-BE49-F238E27FC236}">
+                <a16:creationId xmlns:a16="http://schemas.microsoft.com/office/drawing/2014/main" id="{04C31CD0-68E7-38A8-2F08-2552AC27345D}"/>
+              </a:ext>
+            </a:extLst>
+          </p:cNvPr>
           <p:cNvSpPr>
             <a:spLocks noGrp="1"/>
           </p:cNvSpPr>
@@ -724,7 +917,7 @@
           <a:p>
             <a:fld id="{E666506D-5C9B-294C-B2AE-15ACE8B5B9F7}" type="slidenum">
               <a:rPr lang="en-US" smtClean="0"/>
-              <a:t>15</a:t>
+              <a:t>13</a:t>
             </a:fld>
             <a:endParaRPr lang="en-US"/>
           </a:p>
@@ -733,7 +926,7 @@
     </p:spTree>
     <p:extLst>
       <p:ext uri="{BB962C8B-B14F-4D97-AF65-F5344CB8AC3E}">
-        <p14:creationId xmlns:p14="http://schemas.microsoft.com/office/powerpoint/2010/main" val="243336771"/>
+        <p14:creationId xmlns:p14="http://schemas.microsoft.com/office/powerpoint/2010/main" val="1004194222"/>
       </p:ext>
     </p:extLst>
   </p:cSld>
@@ -748,7 +941,13 @@
   <p:cSld>
     <p:spTree>
       <p:nvGrpSpPr>
-        <p:cNvPr id="1" name=""/>
+        <p:cNvPr id="1" name="">
+          <a:extLst>
+            <a:ext uri="{FF2B5EF4-FFF2-40B4-BE49-F238E27FC236}">
+              <a16:creationId xmlns:a16="http://schemas.microsoft.com/office/drawing/2014/main" id="{05D4431C-0E1C-95DC-28FD-272A8FA82A25}"/>
+            </a:ext>
+          </a:extLst>
+        </p:cNvPr>
         <p:cNvGrpSpPr/>
         <p:nvPr/>
       </p:nvGrpSpPr>
@@ -762,7 +961,13 @@
       </p:grpSpPr>
       <p:sp>
         <p:nvSpPr>
-          <p:cNvPr id="2" name="Slide Image Placeholder 1"/>
+          <p:cNvPr id="2" name="Slide Image Placeholder 1">
+            <a:extLst>
+              <a:ext uri="{FF2B5EF4-FFF2-40B4-BE49-F238E27FC236}">
+                <a16:creationId xmlns:a16="http://schemas.microsoft.com/office/drawing/2014/main" id="{D544735D-FC0C-87B5-56AC-DC8892ECDF31}"/>
+              </a:ext>
+            </a:extLst>
+          </p:cNvPr>
           <p:cNvSpPr>
             <a:spLocks noGrp="1" noRot="1" noChangeAspect="1"/>
           </p:cNvSpPr>
@@ -774,7 +979,13 @@
       </p:sp>
       <p:sp>
         <p:nvSpPr>
-          <p:cNvPr id="3" name="Notes Placeholder 2"/>
+          <p:cNvPr id="3" name="Notes Placeholder 2">
+            <a:extLst>
+              <a:ext uri="{FF2B5EF4-FFF2-40B4-BE49-F238E27FC236}">
+                <a16:creationId xmlns:a16="http://schemas.microsoft.com/office/drawing/2014/main" id="{E20F42F5-3AF2-C1EF-B4D9-55F6BADC77E2}"/>
+              </a:ext>
+            </a:extLst>
+          </p:cNvPr>
           <p:cNvSpPr>
             <a:spLocks noGrp="1"/>
           </p:cNvSpPr>
@@ -793,7 +1004,13 @@
       </p:sp>
       <p:sp>
         <p:nvSpPr>
-          <p:cNvPr id="4" name="Slide Number Placeholder 3"/>
+          <p:cNvPr id="4" name="Slide Number Placeholder 3">
+            <a:extLst>
+              <a:ext uri="{FF2B5EF4-FFF2-40B4-BE49-F238E27FC236}">
+                <a16:creationId xmlns:a16="http://schemas.microsoft.com/office/drawing/2014/main" id="{C0C53B01-7682-337E-0A07-BF62B496873F}"/>
+              </a:ext>
+            </a:extLst>
+          </p:cNvPr>
           <p:cNvSpPr>
             <a:spLocks noGrp="1"/>
           </p:cNvSpPr>
@@ -806,9 +1023,9 @@
           <a:bodyPr/>
           <a:lstStyle/>
           <a:p>
-            <a:fld id="{77F12483-E947-6F4E-A75E-B2E677827779}" type="slidenum">
+            <a:fld id="{E666506D-5C9B-294C-B2AE-15ACE8B5B9F7}" type="slidenum">
               <a:rPr lang="en-US" smtClean="0"/>
-              <a:t>19</a:t>
+              <a:t>14</a:t>
             </a:fld>
             <a:endParaRPr lang="en-US"/>
           </a:p>
@@ -817,7 +1034,7 @@
     </p:spTree>
     <p:extLst>
       <p:ext uri="{BB962C8B-B14F-4D97-AF65-F5344CB8AC3E}">
-        <p14:creationId xmlns:p14="http://schemas.microsoft.com/office/powerpoint/2010/main" val="2460771454"/>
+        <p14:creationId xmlns:p14="http://schemas.microsoft.com/office/powerpoint/2010/main" val="1012666183"/>
       </p:ext>
     </p:extLst>
   </p:cSld>
@@ -882,7 +1099,7 @@
             <a:spLocks noGrp="1"/>
           </p:cNvSpPr>
           <p:nvPr>
-            <p:ph type="sldNum" sz="quarter" idx="10"/>
+            <p:ph type="sldNum" sz="quarter" idx="5"/>
           </p:nvPr>
         </p:nvSpPr>
         <p:spPr/>
@@ -890,9 +1107,9 @@
           <a:bodyPr/>
           <a:lstStyle/>
           <a:p>
-            <a:fld id="{77F12483-E947-6F4E-A75E-B2E677827779}" type="slidenum">
+            <a:fld id="{E666506D-5C9B-294C-B2AE-15ACE8B5B9F7}" type="slidenum">
               <a:rPr lang="en-US" smtClean="0"/>
-              <a:t>21</a:t>
+              <a:t>15</a:t>
             </a:fld>
             <a:endParaRPr lang="en-US"/>
           </a:p>
@@ -901,7 +1118,7 @@
     </p:spTree>
     <p:extLst>
       <p:ext uri="{BB962C8B-B14F-4D97-AF65-F5344CB8AC3E}">
-        <p14:creationId xmlns:p14="http://schemas.microsoft.com/office/powerpoint/2010/main" val="3454147832"/>
+        <p14:creationId xmlns:p14="http://schemas.microsoft.com/office/powerpoint/2010/main" val="243336771"/>
       </p:ext>
     </p:extLst>
   </p:cSld>
@@ -912,6 +1129,114 @@
 </file>
 
 <file path=ppt/notesSlides/notesSlide6.xml><?xml version="1.0" encoding="utf-8"?>
+<p:notes xmlns:a="http://schemas.openxmlformats.org/drawingml/2006/main" xmlns:r="http://schemas.openxmlformats.org/officeDocument/2006/relationships" xmlns:p="http://schemas.openxmlformats.org/presentationml/2006/main">
+  <p:cSld>
+    <p:spTree>
+      <p:nvGrpSpPr>
+        <p:cNvPr id="1" name="">
+          <a:extLst>
+            <a:ext uri="{FF2B5EF4-FFF2-40B4-BE49-F238E27FC236}">
+              <a16:creationId xmlns:a16="http://schemas.microsoft.com/office/drawing/2014/main" id="{DE3247C4-9C70-C9DC-4722-896F7FE71D5D}"/>
+            </a:ext>
+          </a:extLst>
+        </p:cNvPr>
+        <p:cNvGrpSpPr/>
+        <p:nvPr/>
+      </p:nvGrpSpPr>
+      <p:grpSpPr>
+        <a:xfrm>
+          <a:off x="0" y="0"/>
+          <a:ext cx="0" cy="0"/>
+          <a:chOff x="0" y="0"/>
+          <a:chExt cx="0" cy="0"/>
+        </a:xfrm>
+      </p:grpSpPr>
+      <p:sp>
+        <p:nvSpPr>
+          <p:cNvPr id="2" name="Slide Image Placeholder 1">
+            <a:extLst>
+              <a:ext uri="{FF2B5EF4-FFF2-40B4-BE49-F238E27FC236}">
+                <a16:creationId xmlns:a16="http://schemas.microsoft.com/office/drawing/2014/main" id="{624CD0D9-1D06-859E-5B7A-673FF95291DA}"/>
+              </a:ext>
+            </a:extLst>
+          </p:cNvPr>
+          <p:cNvSpPr>
+            <a:spLocks noGrp="1" noRot="1" noChangeAspect="1"/>
+          </p:cNvSpPr>
+          <p:nvPr>
+            <p:ph type="sldImg"/>
+          </p:nvPr>
+        </p:nvSpPr>
+        <p:spPr/>
+      </p:sp>
+      <p:sp>
+        <p:nvSpPr>
+          <p:cNvPr id="3" name="Notes Placeholder 2">
+            <a:extLst>
+              <a:ext uri="{FF2B5EF4-FFF2-40B4-BE49-F238E27FC236}">
+                <a16:creationId xmlns:a16="http://schemas.microsoft.com/office/drawing/2014/main" id="{3756C67E-B793-4254-09D2-6ECC5EE175D7}"/>
+              </a:ext>
+            </a:extLst>
+          </p:cNvPr>
+          <p:cNvSpPr>
+            <a:spLocks noGrp="1"/>
+          </p:cNvSpPr>
+          <p:nvPr>
+            <p:ph type="body" idx="1"/>
+          </p:nvPr>
+        </p:nvSpPr>
+        <p:spPr/>
+        <p:txBody>
+          <a:bodyPr/>
+          <a:lstStyle/>
+          <a:p>
+            <a:endParaRPr lang="en-US" dirty="0"/>
+          </a:p>
+        </p:txBody>
+      </p:sp>
+      <p:sp>
+        <p:nvSpPr>
+          <p:cNvPr id="4" name="Slide Number Placeholder 3">
+            <a:extLst>
+              <a:ext uri="{FF2B5EF4-FFF2-40B4-BE49-F238E27FC236}">
+                <a16:creationId xmlns:a16="http://schemas.microsoft.com/office/drawing/2014/main" id="{68B8B39B-1F4E-99A0-033C-3D8EB40EF945}"/>
+              </a:ext>
+            </a:extLst>
+          </p:cNvPr>
+          <p:cNvSpPr>
+            <a:spLocks noGrp="1"/>
+          </p:cNvSpPr>
+          <p:nvPr>
+            <p:ph type="sldNum" sz="quarter" idx="5"/>
+          </p:nvPr>
+        </p:nvSpPr>
+        <p:spPr/>
+        <p:txBody>
+          <a:bodyPr/>
+          <a:lstStyle/>
+          <a:p>
+            <a:fld id="{E666506D-5C9B-294C-B2AE-15ACE8B5B9F7}" type="slidenum">
+              <a:rPr lang="en-US" smtClean="0"/>
+              <a:t>16</a:t>
+            </a:fld>
+            <a:endParaRPr lang="en-US"/>
+          </a:p>
+        </p:txBody>
+      </p:sp>
+    </p:spTree>
+    <p:extLst>
+      <p:ext uri="{BB962C8B-B14F-4D97-AF65-F5344CB8AC3E}">
+        <p14:creationId xmlns:p14="http://schemas.microsoft.com/office/powerpoint/2010/main" val="297437671"/>
+      </p:ext>
+    </p:extLst>
+  </p:cSld>
+  <p:clrMapOvr>
+    <a:masterClrMapping/>
+  </p:clrMapOvr>
+</p:notes>
+</file>
+
+<file path=ppt/notesSlides/notesSlide7.xml><?xml version="1.0" encoding="utf-8"?>
 <p:notes xmlns:a="http://schemas.openxmlformats.org/drawingml/2006/main" xmlns:r="http://schemas.openxmlformats.org/officeDocument/2006/relationships" xmlns:p="http://schemas.openxmlformats.org/presentationml/2006/main">
   <p:cSld>
     <p:spTree>
@@ -966,7 +1291,7 @@
             <a:spLocks noGrp="1"/>
           </p:cNvSpPr>
           <p:nvPr>
-            <p:ph type="sldNum" sz="quarter" idx="10"/>
+            <p:ph type="sldNum" sz="quarter" idx="5"/>
           </p:nvPr>
         </p:nvSpPr>
         <p:spPr/>
@@ -974,9 +1299,9 @@
           <a:bodyPr/>
           <a:lstStyle/>
           <a:p>
-            <a:fld id="{77F12483-E947-6F4E-A75E-B2E677827779}" type="slidenum">
+            <a:fld id="{E666506D-5C9B-294C-B2AE-15ACE8B5B9F7}" type="slidenum">
               <a:rPr lang="en-US" smtClean="0"/>
-              <a:t>23</a:t>
+              <a:t>18</a:t>
             </a:fld>
             <a:endParaRPr lang="en-US"/>
           </a:p>
@@ -985,7 +1310,175 @@
     </p:spTree>
     <p:extLst>
       <p:ext uri="{BB962C8B-B14F-4D97-AF65-F5344CB8AC3E}">
-        <p14:creationId xmlns:p14="http://schemas.microsoft.com/office/powerpoint/2010/main" val="155794739"/>
+        <p14:creationId xmlns:p14="http://schemas.microsoft.com/office/powerpoint/2010/main" val="1524546745"/>
+      </p:ext>
+    </p:extLst>
+  </p:cSld>
+  <p:clrMapOvr>
+    <a:masterClrMapping/>
+  </p:clrMapOvr>
+</p:notes>
+</file>
+
+<file path=ppt/notesSlides/notesSlide8.xml><?xml version="1.0" encoding="utf-8"?>
+<p:notes xmlns:a="http://schemas.openxmlformats.org/drawingml/2006/main" xmlns:r="http://schemas.openxmlformats.org/officeDocument/2006/relationships" xmlns:p="http://schemas.openxmlformats.org/presentationml/2006/main">
+  <p:cSld>
+    <p:spTree>
+      <p:nvGrpSpPr>
+        <p:cNvPr id="1" name=""/>
+        <p:cNvGrpSpPr/>
+        <p:nvPr/>
+      </p:nvGrpSpPr>
+      <p:grpSpPr>
+        <a:xfrm>
+          <a:off x="0" y="0"/>
+          <a:ext cx="0" cy="0"/>
+          <a:chOff x="0" y="0"/>
+          <a:chExt cx="0" cy="0"/>
+        </a:xfrm>
+      </p:grpSpPr>
+      <p:sp>
+        <p:nvSpPr>
+          <p:cNvPr id="2" name="Slide Image Placeholder 1"/>
+          <p:cNvSpPr>
+            <a:spLocks noGrp="1" noRot="1" noChangeAspect="1"/>
+          </p:cNvSpPr>
+          <p:nvPr>
+            <p:ph type="sldImg"/>
+          </p:nvPr>
+        </p:nvSpPr>
+        <p:spPr/>
+      </p:sp>
+      <p:sp>
+        <p:nvSpPr>
+          <p:cNvPr id="3" name="Notes Placeholder 2"/>
+          <p:cNvSpPr>
+            <a:spLocks noGrp="1"/>
+          </p:cNvSpPr>
+          <p:nvPr>
+            <p:ph type="body" idx="1"/>
+          </p:nvPr>
+        </p:nvSpPr>
+        <p:spPr/>
+        <p:txBody>
+          <a:bodyPr/>
+          <a:lstStyle/>
+          <a:p>
+            <a:endParaRPr lang="en-US" dirty="0"/>
+          </a:p>
+        </p:txBody>
+      </p:sp>
+      <p:sp>
+        <p:nvSpPr>
+          <p:cNvPr id="4" name="Slide Number Placeholder 3"/>
+          <p:cNvSpPr>
+            <a:spLocks noGrp="1"/>
+          </p:cNvSpPr>
+          <p:nvPr>
+            <p:ph type="sldNum" sz="quarter" idx="5"/>
+          </p:nvPr>
+        </p:nvSpPr>
+        <p:spPr/>
+        <p:txBody>
+          <a:bodyPr/>
+          <a:lstStyle/>
+          <a:p>
+            <a:fld id="{E666506D-5C9B-294C-B2AE-15ACE8B5B9F7}" type="slidenum">
+              <a:rPr lang="en-US" smtClean="0"/>
+              <a:t>19</a:t>
+            </a:fld>
+            <a:endParaRPr lang="en-US"/>
+          </a:p>
+        </p:txBody>
+      </p:sp>
+    </p:spTree>
+    <p:extLst>
+      <p:ext uri="{BB962C8B-B14F-4D97-AF65-F5344CB8AC3E}">
+        <p14:creationId xmlns:p14="http://schemas.microsoft.com/office/powerpoint/2010/main" val="220798875"/>
+      </p:ext>
+    </p:extLst>
+  </p:cSld>
+  <p:clrMapOvr>
+    <a:masterClrMapping/>
+  </p:clrMapOvr>
+</p:notes>
+</file>
+
+<file path=ppt/notesSlides/notesSlide9.xml><?xml version="1.0" encoding="utf-8"?>
+<p:notes xmlns:a="http://schemas.openxmlformats.org/drawingml/2006/main" xmlns:r="http://schemas.openxmlformats.org/officeDocument/2006/relationships" xmlns:p="http://schemas.openxmlformats.org/presentationml/2006/main">
+  <p:cSld>
+    <p:spTree>
+      <p:nvGrpSpPr>
+        <p:cNvPr id="1" name=""/>
+        <p:cNvGrpSpPr/>
+        <p:nvPr/>
+      </p:nvGrpSpPr>
+      <p:grpSpPr>
+        <a:xfrm>
+          <a:off x="0" y="0"/>
+          <a:ext cx="0" cy="0"/>
+          <a:chOff x="0" y="0"/>
+          <a:chExt cx="0" cy="0"/>
+        </a:xfrm>
+      </p:grpSpPr>
+      <p:sp>
+        <p:nvSpPr>
+          <p:cNvPr id="2" name="Slide Image Placeholder 1"/>
+          <p:cNvSpPr>
+            <a:spLocks noGrp="1" noRot="1" noChangeAspect="1"/>
+          </p:cNvSpPr>
+          <p:nvPr>
+            <p:ph type="sldImg"/>
+          </p:nvPr>
+        </p:nvSpPr>
+        <p:spPr/>
+      </p:sp>
+      <p:sp>
+        <p:nvSpPr>
+          <p:cNvPr id="3" name="Notes Placeholder 2"/>
+          <p:cNvSpPr>
+            <a:spLocks noGrp="1"/>
+          </p:cNvSpPr>
+          <p:nvPr>
+            <p:ph type="body" idx="1"/>
+          </p:nvPr>
+        </p:nvSpPr>
+        <p:spPr/>
+        <p:txBody>
+          <a:bodyPr/>
+          <a:lstStyle/>
+          <a:p>
+            <a:endParaRPr lang="en-US" dirty="0"/>
+          </a:p>
+        </p:txBody>
+      </p:sp>
+      <p:sp>
+        <p:nvSpPr>
+          <p:cNvPr id="4" name="Slide Number Placeholder 3"/>
+          <p:cNvSpPr>
+            <a:spLocks noGrp="1"/>
+          </p:cNvSpPr>
+          <p:nvPr>
+            <p:ph type="sldNum" sz="quarter" idx="5"/>
+          </p:nvPr>
+        </p:nvSpPr>
+        <p:spPr/>
+        <p:txBody>
+          <a:bodyPr/>
+          <a:lstStyle/>
+          <a:p>
+            <a:fld id="{77F12483-E947-6F4E-A75E-B2E677827779}" type="slidenum">
+              <a:rPr lang="en-US" smtClean="0"/>
+              <a:t>20</a:t>
+            </a:fld>
+            <a:endParaRPr lang="en-US"/>
+          </a:p>
+        </p:txBody>
+      </p:sp>
+    </p:spTree>
+    <p:extLst>
+      <p:ext uri="{BB962C8B-B14F-4D97-AF65-F5344CB8AC3E}">
+        <p14:creationId xmlns:p14="http://schemas.microsoft.com/office/powerpoint/2010/main" val="2460771454"/>
       </p:ext>
     </p:extLst>
   </p:cSld>
@@ -1220,7 +1713,7 @@
             <a:fld id="{5586B75A-687E-405C-8A0B-8D00578BA2C3}" type="datetimeFigureOut">
               <a:rPr lang="en-US" smtClean="0"/>
               <a:pPr/>
-              <a:t>2/14/24</a:t>
+              <a:t>2/20/24</a:t>
             </a:fld>
             <a:endParaRPr lang="en-US" dirty="0"/>
           </a:p>
@@ -1392,7 +1885,7 @@
             <a:fld id="{5586B75A-687E-405C-8A0B-8D00578BA2C3}" type="datetimeFigureOut">
               <a:rPr lang="en-US" smtClean="0"/>
               <a:pPr/>
-              <a:t>2/14/24</a:t>
+              <a:t>2/20/24</a:t>
             </a:fld>
             <a:endParaRPr lang="en-US" dirty="0"/>
           </a:p>
@@ -1574,7 +2067,7 @@
             <a:fld id="{5586B75A-687E-405C-8A0B-8D00578BA2C3}" type="datetimeFigureOut">
               <a:rPr lang="en-US" smtClean="0"/>
               <a:pPr/>
-              <a:t>2/14/24</a:t>
+              <a:t>2/20/24</a:t>
             </a:fld>
             <a:endParaRPr lang="en-US" dirty="0"/>
           </a:p>
@@ -1746,7 +2239,7 @@
             <a:fld id="{5586B75A-687E-405C-8A0B-8D00578BA2C3}" type="datetimeFigureOut">
               <a:rPr lang="en-US" smtClean="0"/>
               <a:pPr/>
-              <a:t>2/14/24</a:t>
+              <a:t>2/20/24</a:t>
             </a:fld>
             <a:endParaRPr lang="en-US" dirty="0"/>
           </a:p>
@@ -2002,7 +2495,7 @@
             <a:fld id="{5586B75A-687E-405C-8A0B-8D00578BA2C3}" type="datetimeFigureOut">
               <a:rPr lang="en-US" smtClean="0"/>
               <a:pPr/>
-              <a:t>2/14/24</a:t>
+              <a:t>2/20/24</a:t>
             </a:fld>
             <a:endParaRPr lang="en-US" dirty="0"/>
           </a:p>
@@ -2292,7 +2785,7 @@
             <a:fld id="{5586B75A-687E-405C-8A0B-8D00578BA2C3}" type="datetimeFigureOut">
               <a:rPr lang="en-US" smtClean="0"/>
               <a:pPr/>
-              <a:t>2/14/24</a:t>
+              <a:t>2/20/24</a:t>
             </a:fld>
             <a:endParaRPr lang="en-US" dirty="0"/>
           </a:p>
@@ -2736,7 +3229,7 @@
             <a:fld id="{5586B75A-687E-405C-8A0B-8D00578BA2C3}" type="datetimeFigureOut">
               <a:rPr lang="en-US" smtClean="0"/>
               <a:pPr/>
-              <a:t>2/14/24</a:t>
+              <a:t>2/20/24</a:t>
             </a:fld>
             <a:endParaRPr lang="en-US" dirty="0"/>
           </a:p>
@@ -2856,7 +3349,7 @@
             <a:fld id="{5586B75A-687E-405C-8A0B-8D00578BA2C3}" type="datetimeFigureOut">
               <a:rPr lang="en-US" smtClean="0"/>
               <a:pPr/>
-              <a:t>2/14/24</a:t>
+              <a:t>2/20/24</a:t>
             </a:fld>
             <a:endParaRPr lang="en-US" dirty="0"/>
           </a:p>
@@ -2953,7 +3446,7 @@
             <a:fld id="{5586B75A-687E-405C-8A0B-8D00578BA2C3}" type="datetimeFigureOut">
               <a:rPr lang="en-US" smtClean="0"/>
               <a:pPr/>
-              <a:t>2/14/24</a:t>
+              <a:t>2/20/24</a:t>
             </a:fld>
             <a:endParaRPr lang="en-US" dirty="0"/>
           </a:p>
@@ -3243,7 +3736,7 @@
             <a:fld id="{5586B75A-687E-405C-8A0B-8D00578BA2C3}" type="datetimeFigureOut">
               <a:rPr lang="en-US" smtClean="0"/>
               <a:pPr/>
-              <a:t>2/14/24</a:t>
+              <a:t>2/20/24</a:t>
             </a:fld>
             <a:endParaRPr lang="en-US" dirty="0"/>
           </a:p>
@@ -3518,7 +4011,7 @@
             <a:fld id="{5586B75A-687E-405C-8A0B-8D00578BA2C3}" type="datetimeFigureOut">
               <a:rPr lang="en-US" smtClean="0"/>
               <a:pPr/>
-              <a:t>2/14/24</a:t>
+              <a:t>2/20/24</a:t>
             </a:fld>
             <a:endParaRPr lang="en-US" dirty="0"/>
           </a:p>
@@ -3817,7 +4310,7 @@
             <a:fld id="{5586B75A-687E-405C-8A0B-8D00578BA2C3}" type="datetimeFigureOut">
               <a:rPr lang="en-US" smtClean="0"/>
               <a:pPr/>
-              <a:t>2/14/24</a:t>
+              <a:t>2/20/24</a:t>
             </a:fld>
             <a:endParaRPr lang="en-US" dirty="0"/>
           </a:p>
@@ -4494,16 +4987,38 @@
           <a:p>
             <a:r>
               <a:rPr lang="en-US" sz="2400" dirty="0"/>
-              <a:t>Then it reads each line inside the definition, but these don’t get </a:t>
+              <a:t>The real work happens only when we actually </a:t>
             </a:r>
             <a:r>
               <a:rPr lang="en-US" sz="2400" b="1" dirty="0"/>
-              <a:t>executed</a:t>
+              <a:t>call</a:t>
             </a:r>
             <a:r>
               <a:rPr lang="en-US" sz="2400" dirty="0"/>
-              <a:t> yet</a:t>
-            </a:r>
+              <a:t> the  </a:t>
+            </a:r>
+            <a:r>
+              <a:rPr lang="en-US" sz="2400" b="1" dirty="0">
+                <a:latin typeface="Courier" pitchFamily="2" charset="0"/>
+              </a:rPr>
+              <a:t>main()</a:t>
+            </a:r>
+            <a:r>
+              <a:rPr lang="en-US" sz="2400" dirty="0">
+                <a:latin typeface="Arial" panose="020B0604020202020204" pitchFamily="34" charset="0"/>
+                <a:cs typeface="Arial" panose="020B0604020202020204" pitchFamily="34" charset="0"/>
+              </a:rPr>
+              <a:t> function</a:t>
+            </a:r>
+          </a:p>
+          <a:p>
+            <a:endParaRPr lang="en-US" sz="2400" dirty="0">
+              <a:latin typeface="Arial" panose="020B0604020202020204" pitchFamily="34" charset="0"/>
+              <a:cs typeface="Arial" panose="020B0604020202020204" pitchFamily="34" charset="0"/>
+            </a:endParaRPr>
+          </a:p>
+          <a:p>
+            <a:endParaRPr lang="en-US" sz="2400" dirty="0"/>
           </a:p>
           <a:p>
             <a:endParaRPr lang="en-US" sz="2400" dirty="0"/>
@@ -4526,14 +5041,34 @@
             </a:pPr>
             <a:endParaRPr lang="en-US" sz="2400" dirty="0"/>
           </a:p>
+          <a:p>
+            <a:r>
+              <a:rPr lang="en-US" sz="2400" dirty="0"/>
+              <a:t>When we do, python goes to the </a:t>
+            </a:r>
+            <a:r>
+              <a:rPr lang="en-US" sz="2400" b="1" dirty="0">
+                <a:latin typeface="Courier" pitchFamily="2" charset="0"/>
+              </a:rPr>
+              <a:t>main()</a:t>
+            </a:r>
+            <a:r>
+              <a:rPr lang="en-US" sz="2400" dirty="0">
+                <a:latin typeface="Arial" panose="020B0604020202020204" pitchFamily="34" charset="0"/>
+                <a:cs typeface="Arial" panose="020B0604020202020204" pitchFamily="34" charset="0"/>
+              </a:rPr>
+              <a:t> function definition and follows the instructions it finds there</a:t>
+            </a:r>
+            <a:endParaRPr lang="en-US" sz="2400" b="1" dirty="0"/>
+          </a:p>
         </p:txBody>
       </p:sp>
       <p:pic>
         <p:nvPicPr>
-          <p:cNvPr id="4" name="Picture 3" descr="A screenshot of a computer code&#10;&#10;Description automatically generated">
+          <p:cNvPr id="6" name="Picture 5" descr="A screen shot of a computer program&#10;&#10;Description automatically generated">
             <a:extLst>
               <a:ext uri="{FF2B5EF4-FFF2-40B4-BE49-F238E27FC236}">
-                <a16:creationId xmlns:a16="http://schemas.microsoft.com/office/drawing/2014/main" id="{AD75475A-2CD3-5532-04B3-E517D1041B29}"/>
+                <a16:creationId xmlns:a16="http://schemas.microsoft.com/office/drawing/2014/main" id="{A8792F78-6E78-22A9-EADC-436A28B1CB4E}"/>
               </a:ext>
             </a:extLst>
           </p:cNvPr>
@@ -4542,17 +5077,18 @@
           </p:cNvPicPr>
           <p:nvPr/>
         </p:nvPicPr>
-        <p:blipFill rotWithShape="1">
+        <p:blipFill>
           <a:blip r:embed="rId2">
-            <a:alphaModFix amt="25000"/>
+            <a:alphaModFix amt="20000"/>
           </a:blip>
-          <a:srcRect/>
-          <a:stretch/>
+          <a:stretch>
+            <a:fillRect/>
+          </a:stretch>
         </p:blipFill>
         <p:spPr>
           <a:xfrm>
-            <a:off x="3552174" y="1675245"/>
-            <a:ext cx="8386907" cy="3507509"/>
+            <a:off x="3640668" y="1668040"/>
+            <a:ext cx="7772400" cy="2021039"/>
           </a:xfrm>
           <a:prstGeom prst="rect">
             <a:avLst/>
@@ -4561,10 +5097,10 @@
       </p:pic>
       <p:pic>
         <p:nvPicPr>
-          <p:cNvPr id="5" name="Picture 4" descr="A screenshot of a computer code&#10;&#10;Description automatically generated">
+          <p:cNvPr id="7" name="Picture 6" descr="A screen shot of a computer program&#10;&#10;Description automatically generated">
             <a:extLst>
               <a:ext uri="{FF2B5EF4-FFF2-40B4-BE49-F238E27FC236}">
-                <a16:creationId xmlns:a16="http://schemas.microsoft.com/office/drawing/2014/main" id="{EF476110-7C52-DED8-EB49-D4CB3938D5D1}"/>
+                <a16:creationId xmlns:a16="http://schemas.microsoft.com/office/drawing/2014/main" id="{F6ABB8ED-1704-8937-F53C-6EBF7C1298A7}"/>
               </a:ext>
             </a:extLst>
           </p:cNvPr>
@@ -4575,13 +5111,13 @@
         </p:nvPicPr>
         <p:blipFill rotWithShape="1">
           <a:blip r:embed="rId2"/>
-          <a:srcRect t="63551" b="26517"/>
+          <a:srcRect t="81263" b="-2"/>
           <a:stretch/>
         </p:blipFill>
         <p:spPr>
           <a:xfrm>
-            <a:off x="3552173" y="3904342"/>
-            <a:ext cx="8386907" cy="348343"/>
+            <a:off x="3640668" y="3310359"/>
+            <a:ext cx="7772400" cy="378719"/>
           </a:xfrm>
           <a:prstGeom prst="rect">
             <a:avLst/>
@@ -4591,7 +5127,7 @@
     </p:spTree>
     <p:extLst>
       <p:ext uri="{BB962C8B-B14F-4D97-AF65-F5344CB8AC3E}">
-        <p14:creationId xmlns:p14="http://schemas.microsoft.com/office/powerpoint/2010/main" val="3312590972"/>
+        <p14:creationId xmlns:p14="http://schemas.microsoft.com/office/powerpoint/2010/main" val="3766032039"/>
       </p:ext>
     </p:extLst>
   </p:cSld>
@@ -4620,13 +5156,7 @@
       </p:grpSpPr>
       <p:sp>
         <p:nvSpPr>
-          <p:cNvPr id="2" name="Title 1">
-            <a:extLst>
-              <a:ext uri="{FF2B5EF4-FFF2-40B4-BE49-F238E27FC236}">
-                <a16:creationId xmlns:a16="http://schemas.microsoft.com/office/drawing/2014/main" id="{13469C87-7021-BD44-8605-A47D87C06B6C}"/>
-              </a:ext>
-            </a:extLst>
-          </p:cNvPr>
+          <p:cNvPr id="5" name="Title 4"/>
           <p:cNvSpPr>
             <a:spLocks noGrp="1"/>
           </p:cNvSpPr>
@@ -4641,20 +5171,14 @@
           <a:p>
             <a:r>
               <a:rPr lang="en-US" dirty="0"/>
-              <a:t>How this works</a:t>
-            </a:r>
-          </a:p>
-        </p:txBody>
-      </p:sp>
-      <p:sp>
-        <p:nvSpPr>
-          <p:cNvPr id="3" name="Content Placeholder 2">
-            <a:extLst>
-              <a:ext uri="{FF2B5EF4-FFF2-40B4-BE49-F238E27FC236}">
-                <a16:creationId xmlns:a16="http://schemas.microsoft.com/office/drawing/2014/main" id="{D639C6A7-6FA2-4D42-8640-981564C45BEB}"/>
-              </a:ext>
-            </a:extLst>
-          </p:cNvPr>
+              <a:t>Discussion</a:t>
+            </a:r>
+          </a:p>
+        </p:txBody>
+      </p:sp>
+      <p:sp>
+        <p:nvSpPr>
+          <p:cNvPr id="9" name="Content Placeholder 8"/>
           <p:cNvSpPr>
             <a:spLocks noGrp="1"/>
           </p:cNvSpPr>
@@ -4662,131 +5186,78 @@
             <p:ph idx="1"/>
           </p:nvPr>
         </p:nvSpPr>
-        <p:spPr/>
-        <p:txBody>
-          <a:bodyPr anchor="t">
+        <p:spPr>
+          <a:xfrm>
+            <a:off x="5123542" y="2454111"/>
+            <a:ext cx="4624011" cy="1949777"/>
+          </a:xfrm>
+          <a:prstGeom prst="roundRect">
+            <a:avLst/>
+          </a:prstGeom>
+        </p:spPr>
+        <p:style>
+          <a:lnRef idx="2">
+            <a:schemeClr val="accent2">
+              <a:shade val="15000"/>
+            </a:schemeClr>
+          </a:lnRef>
+          <a:fillRef idx="1">
+            <a:schemeClr val="accent2"/>
+          </a:fillRef>
+          <a:effectRef idx="0">
+            <a:schemeClr val="accent2"/>
+          </a:effectRef>
+          <a:fontRef idx="minor">
+            <a:schemeClr val="lt1"/>
+          </a:fontRef>
+        </p:style>
+        <p:txBody>
+          <a:bodyPr>
             <a:noAutofit/>
           </a:bodyPr>
           <a:lstStyle/>
-          <a:p>
-            <a:r>
-              <a:rPr lang="en-US" sz="2400" dirty="0"/>
-              <a:t>At this stage, we’ve given python a “recipe” for what we want it to do when we call </a:t>
-            </a:r>
-            <a:r>
-              <a:rPr lang="en-US" sz="2400" b="1" dirty="0">
-                <a:latin typeface="Courier" pitchFamily="2" charset="0"/>
-              </a:rPr>
-              <a:t>main()</a:t>
-            </a:r>
-          </a:p>
-          <a:p>
-            <a:endParaRPr lang="en-US" sz="2400" b="1" dirty="0">
-              <a:latin typeface="Courier" pitchFamily="2" charset="0"/>
-            </a:endParaRPr>
-          </a:p>
-          <a:p>
-            <a:endParaRPr lang="en-US" sz="2400" b="1" dirty="0">
-              <a:latin typeface="Courier" pitchFamily="2" charset="0"/>
-            </a:endParaRPr>
-          </a:p>
-          <a:p>
-            <a:endParaRPr lang="en-US" sz="2400" dirty="0"/>
-          </a:p>
-          <a:p>
-            <a:endParaRPr lang="en-US" sz="2400" dirty="0"/>
-          </a:p>
-          <a:p>
-            <a:endParaRPr lang="en-US" sz="2400" dirty="0"/>
-          </a:p>
-          <a:p>
-            <a:endParaRPr lang="en-US" sz="2400" dirty="0"/>
-          </a:p>
-          <a:p>
-            <a:endParaRPr lang="en-US" sz="2400" dirty="0"/>
-          </a:p>
           <a:p>
             <a:pPr marL="0" indent="0">
               <a:buNone/>
             </a:pPr>
-            <a:endParaRPr lang="en-US" sz="2400" dirty="0"/>
-          </a:p>
-          <a:p>
-            <a:r>
-              <a:rPr lang="en-US" sz="2400" dirty="0"/>
-              <a:t>If we stop here, </a:t>
-            </a:r>
-            <a:r>
-              <a:rPr lang="en-US" sz="2400" b="1" dirty="0"/>
-              <a:t>nothing will actually happen</a:t>
-            </a:r>
-          </a:p>
-        </p:txBody>
-      </p:sp>
-      <p:pic>
-        <p:nvPicPr>
-          <p:cNvPr id="4" name="Picture 3" descr="A screenshot of a computer code&#10;&#10;Description automatically generated">
-            <a:extLst>
-              <a:ext uri="{FF2B5EF4-FFF2-40B4-BE49-F238E27FC236}">
-                <a16:creationId xmlns:a16="http://schemas.microsoft.com/office/drawing/2014/main" id="{10015997-6242-8CC5-5F9E-92A8CDD68C05}"/>
-              </a:ext>
-            </a:extLst>
-          </p:cNvPr>
-          <p:cNvPicPr>
-            <a:picLocks noChangeAspect="1"/>
-          </p:cNvPicPr>
-          <p:nvPr/>
-        </p:nvPicPr>
-        <p:blipFill rotWithShape="1">
-          <a:blip r:embed="rId2">
-            <a:alphaModFix amt="25000"/>
-          </a:blip>
-          <a:srcRect/>
-          <a:stretch/>
-        </p:blipFill>
-        <p:spPr>
-          <a:xfrm>
-            <a:off x="3552174" y="1675245"/>
-            <a:ext cx="8386907" cy="3507509"/>
-          </a:xfrm>
-          <a:prstGeom prst="rect">
-            <a:avLst/>
-          </a:prstGeom>
-        </p:spPr>
-      </p:pic>
-      <p:pic>
-        <p:nvPicPr>
-          <p:cNvPr id="5" name="Picture 4" descr="A screenshot of a computer code&#10;&#10;Description automatically generated">
-            <a:extLst>
-              <a:ext uri="{FF2B5EF4-FFF2-40B4-BE49-F238E27FC236}">
-                <a16:creationId xmlns:a16="http://schemas.microsoft.com/office/drawing/2014/main" id="{51F6FE8E-4380-BD92-ABEC-F396E5B4ABFE}"/>
-              </a:ext>
-            </a:extLst>
-          </p:cNvPr>
-          <p:cNvPicPr>
-            <a:picLocks noChangeAspect="1"/>
-          </p:cNvPicPr>
-          <p:nvPr/>
-        </p:nvPicPr>
-        <p:blipFill rotWithShape="1">
-          <a:blip r:embed="rId2"/>
-          <a:srcRect t="37064" b="26519"/>
-          <a:stretch/>
-        </p:blipFill>
-        <p:spPr>
-          <a:xfrm>
-            <a:off x="3552173" y="2975430"/>
-            <a:ext cx="8386907" cy="1277256"/>
-          </a:xfrm>
-          <a:prstGeom prst="rect">
-            <a:avLst/>
-          </a:prstGeom>
-        </p:spPr>
-      </p:pic>
+            <a:endParaRPr lang="en-US" sz="3200" dirty="0"/>
+          </a:p>
+          <a:p>
+            <a:pPr marL="0" indent="0" algn="ctr">
+              <a:buNone/>
+            </a:pPr>
+            <a:endParaRPr lang="en-US" sz="3200" dirty="0"/>
+          </a:p>
+          <a:p>
+            <a:pPr marL="0" indent="0" algn="ctr">
+              <a:buNone/>
+            </a:pPr>
+            <a:endParaRPr lang="en-US" sz="3200" dirty="0"/>
+          </a:p>
+          <a:p>
+            <a:pPr marL="0" indent="0" algn="ctr">
+              <a:buNone/>
+            </a:pPr>
+            <a:r>
+              <a:rPr lang="en-US" sz="3200" dirty="0"/>
+              <a:t>Why bother?</a:t>
+            </a:r>
+          </a:p>
+          <a:p>
+            <a:endParaRPr lang="en-US" sz="3200" dirty="0"/>
+          </a:p>
+          <a:p>
+            <a:endParaRPr lang="en-US" sz="3200" dirty="0"/>
+          </a:p>
+          <a:p>
+            <a:endParaRPr lang="en-US" sz="3200" dirty="0"/>
+          </a:p>
+        </p:txBody>
+      </p:sp>
     </p:spTree>
     <p:extLst>
       <p:ext uri="{BB962C8B-B14F-4D97-AF65-F5344CB8AC3E}">
-        <p14:creationId xmlns:p14="http://schemas.microsoft.com/office/powerpoint/2010/main" val="3439807040"/>
+        <p14:creationId xmlns:p14="http://schemas.microsoft.com/office/powerpoint/2010/main" val="1371415532"/>
       </p:ext>
     </p:extLst>
   </p:cSld>
@@ -4818,7 +5289,7 @@
           <p:cNvPr id="2" name="Title 1">
             <a:extLst>
               <a:ext uri="{FF2B5EF4-FFF2-40B4-BE49-F238E27FC236}">
-                <a16:creationId xmlns:a16="http://schemas.microsoft.com/office/drawing/2014/main" id="{13469C87-7021-BD44-8605-A47D87C06B6C}"/>
+                <a16:creationId xmlns:a16="http://schemas.microsoft.com/office/drawing/2014/main" id="{8831786A-B8E3-894D-BFE2-E153DB828A94}"/>
               </a:ext>
             </a:extLst>
           </p:cNvPr>
@@ -4836,7 +5307,7 @@
           <a:p>
             <a:r>
               <a:rPr lang="en-US" dirty="0"/>
-              <a:t>How this works</a:t>
+              <a:t>Just one more thing…</a:t>
             </a:r>
           </a:p>
         </p:txBody>
@@ -4846,7 +5317,7 @@
           <p:cNvPr id="3" name="Content Placeholder 2">
             <a:extLst>
               <a:ext uri="{FF2B5EF4-FFF2-40B4-BE49-F238E27FC236}">
-                <a16:creationId xmlns:a16="http://schemas.microsoft.com/office/drawing/2014/main" id="{D639C6A7-6FA2-4D42-8640-981564C45BEB}"/>
+                <a16:creationId xmlns:a16="http://schemas.microsoft.com/office/drawing/2014/main" id="{E3716C48-00EE-B147-9657-CA3C3E47F933}"/>
               </a:ext>
             </a:extLst>
           </p:cNvPr>
@@ -4857,97 +5328,45 @@
             <p:ph idx="1"/>
           </p:nvPr>
         </p:nvSpPr>
-        <p:spPr/>
+        <p:spPr>
+          <a:xfrm>
+            <a:off x="3869268" y="115747"/>
+            <a:ext cx="7315200" cy="5869001"/>
+          </a:xfrm>
+        </p:spPr>
         <p:txBody>
           <a:bodyPr anchor="t">
-            <a:noAutofit/>
+            <a:normAutofit/>
           </a:bodyPr>
           <a:lstStyle/>
           <a:p>
             <a:r>
               <a:rPr lang="en-US" sz="2400" dirty="0"/>
-              <a:t>The real work happens only when we actually </a:t>
+              <a:t>Suppose I have code I wrote elsewhere</a:t>
+            </a:r>
+          </a:p>
+          <a:p>
+            <a:r>
+              <a:rPr lang="en-US" sz="2400" dirty="0"/>
+              <a:t>What happens if someday we want to use the code in this file as </a:t>
             </a:r>
             <a:r>
               <a:rPr lang="en-US" sz="2400" b="1" dirty="0"/>
-              <a:t>call</a:t>
+              <a:t>part of another program</a:t>
             </a:r>
             <a:r>
               <a:rPr lang="en-US" sz="2400" dirty="0"/>
-              <a:t> the  </a:t>
-            </a:r>
-            <a:r>
-              <a:rPr lang="en-US" sz="2400" b="1" dirty="0">
-                <a:latin typeface="Courier" pitchFamily="2" charset="0"/>
-              </a:rPr>
-              <a:t>main()</a:t>
-            </a:r>
-            <a:r>
-              <a:rPr lang="en-US" sz="2400" dirty="0">
-                <a:latin typeface="Arial" panose="020B0604020202020204" pitchFamily="34" charset="0"/>
-                <a:cs typeface="Arial" panose="020B0604020202020204" pitchFamily="34" charset="0"/>
-              </a:rPr>
-              <a:t> function</a:t>
-            </a:r>
-          </a:p>
-          <a:p>
-            <a:endParaRPr lang="en-US" sz="2400" dirty="0">
-              <a:latin typeface="Arial" panose="020B0604020202020204" pitchFamily="34" charset="0"/>
-              <a:cs typeface="Arial" panose="020B0604020202020204" pitchFamily="34" charset="0"/>
-            </a:endParaRPr>
-          </a:p>
-          <a:p>
-            <a:endParaRPr lang="en-US" sz="2400" dirty="0"/>
-          </a:p>
-          <a:p>
-            <a:endParaRPr lang="en-US" sz="2400" dirty="0"/>
-          </a:p>
-          <a:p>
-            <a:endParaRPr lang="en-US" sz="2400" dirty="0"/>
-          </a:p>
-          <a:p>
-            <a:endParaRPr lang="en-US" sz="2400" dirty="0"/>
-          </a:p>
-          <a:p>
-            <a:endParaRPr lang="en-US" sz="2400" dirty="0"/>
-          </a:p>
-          <a:p>
-            <a:endParaRPr lang="en-US" sz="2400" dirty="0"/>
-          </a:p>
-          <a:p>
-            <a:pPr marL="0" indent="0">
-              <a:buNone/>
-            </a:pPr>
-            <a:endParaRPr lang="en-US" sz="2400" dirty="0"/>
-          </a:p>
-          <a:p>
-            <a:r>
-              <a:rPr lang="en-US" sz="2400" dirty="0"/>
-              <a:t>When we do, python goes to the </a:t>
-            </a:r>
-            <a:r>
-              <a:rPr lang="en-US" sz="2400" b="1" dirty="0">
-                <a:latin typeface="Courier" pitchFamily="2" charset="0"/>
-              </a:rPr>
-              <a:t>main()</a:t>
-            </a:r>
-            <a:r>
-              <a:rPr lang="en-US" sz="2400" dirty="0">
-                <a:latin typeface="Arial" panose="020B0604020202020204" pitchFamily="34" charset="0"/>
-                <a:cs typeface="Arial" panose="020B0604020202020204" pitchFamily="34" charset="0"/>
-              </a:rPr>
-              <a:t> function definition and follows the instructions it finds there</a:t>
-            </a:r>
-            <a:endParaRPr lang="en-US" sz="2400" b="1" dirty="0"/>
+              <a:t>?</a:t>
+            </a:r>
           </a:p>
         </p:txBody>
       </p:sp>
       <p:pic>
         <p:nvPicPr>
-          <p:cNvPr id="4" name="Picture 3" descr="A screenshot of a computer code&#10;&#10;Description automatically generated">
+          <p:cNvPr id="5" name="Picture 4" descr="A screen shot of a computer program&#10;&#10;Description automatically generated">
             <a:extLst>
               <a:ext uri="{FF2B5EF4-FFF2-40B4-BE49-F238E27FC236}">
-                <a16:creationId xmlns:a16="http://schemas.microsoft.com/office/drawing/2014/main" id="{6B868D78-A49C-DB91-FEB5-86F384345F84}"/>
+                <a16:creationId xmlns:a16="http://schemas.microsoft.com/office/drawing/2014/main" id="{E86A1842-514C-F2A3-751E-0F7287DA6F91}"/>
               </a:ext>
             </a:extLst>
           </p:cNvPr>
@@ -4956,46 +5375,16 @@
           </p:cNvPicPr>
           <p:nvPr/>
         </p:nvPicPr>
-        <p:blipFill rotWithShape="1">
-          <a:blip r:embed="rId2">
-            <a:alphaModFix amt="25000"/>
-          </a:blip>
-          <a:srcRect/>
-          <a:stretch/>
+        <p:blipFill>
+          <a:blip r:embed="rId3"/>
+          <a:stretch>
+            <a:fillRect/>
+          </a:stretch>
         </p:blipFill>
         <p:spPr>
           <a:xfrm>
-            <a:off x="3552174" y="1675245"/>
-            <a:ext cx="8386907" cy="3507509"/>
-          </a:xfrm>
-          <a:prstGeom prst="rect">
-            <a:avLst/>
-          </a:prstGeom>
-        </p:spPr>
-      </p:pic>
-      <p:pic>
-        <p:nvPicPr>
-          <p:cNvPr id="5" name="Picture 4" descr="A screenshot of a computer code&#10;&#10;Description automatically generated">
-            <a:extLst>
-              <a:ext uri="{FF2B5EF4-FFF2-40B4-BE49-F238E27FC236}">
-                <a16:creationId xmlns:a16="http://schemas.microsoft.com/office/drawing/2014/main" id="{27FC470D-F7E9-6154-6893-3BD7C575DBFF}"/>
-              </a:ext>
-            </a:extLst>
-          </p:cNvPr>
-          <p:cNvPicPr>
-            <a:picLocks noChangeAspect="1"/>
-          </p:cNvPicPr>
-          <p:nvPr/>
-        </p:nvPicPr>
-        <p:blipFill rotWithShape="1">
-          <a:blip r:embed="rId2"/>
-          <a:srcRect t="75136" b="7069"/>
-          <a:stretch/>
-        </p:blipFill>
-        <p:spPr>
-          <a:xfrm>
-            <a:off x="3552173" y="4310743"/>
-            <a:ext cx="8386907" cy="624113"/>
+            <a:off x="3594369" y="1621613"/>
+            <a:ext cx="6495795" cy="5120640"/>
           </a:xfrm>
           <a:prstGeom prst="rect">
             <a:avLst/>
@@ -5005,7 +5394,7 @@
     </p:spTree>
     <p:extLst>
       <p:ext uri="{BB962C8B-B14F-4D97-AF65-F5344CB8AC3E}">
-        <p14:creationId xmlns:p14="http://schemas.microsoft.com/office/powerpoint/2010/main" val="3766032039"/>
+        <p14:creationId xmlns:p14="http://schemas.microsoft.com/office/powerpoint/2010/main" val="3288174677"/>
       </p:ext>
     </p:extLst>
   </p:cSld>
@@ -5020,7 +5409,13 @@
   <p:cSld>
     <p:spTree>
       <p:nvGrpSpPr>
-        <p:cNvPr id="1" name=""/>
+        <p:cNvPr id="1" name="">
+          <a:extLst>
+            <a:ext uri="{FF2B5EF4-FFF2-40B4-BE49-F238E27FC236}">
+              <a16:creationId xmlns:a16="http://schemas.microsoft.com/office/drawing/2014/main" id="{22F01D6D-81AC-CEC2-1E6B-B97F52336B39}"/>
+            </a:ext>
+          </a:extLst>
+        </p:cNvPr>
         <p:cNvGrpSpPr/>
         <p:nvPr/>
       </p:nvGrpSpPr>
@@ -5034,7 +5429,13 @@
       </p:grpSpPr>
       <p:sp>
         <p:nvSpPr>
-          <p:cNvPr id="5" name="Title 4"/>
+          <p:cNvPr id="2" name="Title 1">
+            <a:extLst>
+              <a:ext uri="{FF2B5EF4-FFF2-40B4-BE49-F238E27FC236}">
+                <a16:creationId xmlns:a16="http://schemas.microsoft.com/office/drawing/2014/main" id="{1CEB1ECE-A3FF-A422-C384-4A5143030060}"/>
+              </a:ext>
+            </a:extLst>
+          </p:cNvPr>
           <p:cNvSpPr>
             <a:spLocks noGrp="1"/>
           </p:cNvSpPr>
@@ -5049,14 +5450,20 @@
           <a:p>
             <a:r>
               <a:rPr lang="en-US" dirty="0"/>
-              <a:t>Discussion</a:t>
-            </a:r>
-          </a:p>
-        </p:txBody>
-      </p:sp>
-      <p:sp>
-        <p:nvSpPr>
-          <p:cNvPr id="9" name="Content Placeholder 8"/>
+              <a:t>Just one more thing…</a:t>
+            </a:r>
+          </a:p>
+        </p:txBody>
+      </p:sp>
+      <p:sp>
+        <p:nvSpPr>
+          <p:cNvPr id="3" name="Content Placeholder 2">
+            <a:extLst>
+              <a:ext uri="{FF2B5EF4-FFF2-40B4-BE49-F238E27FC236}">
+                <a16:creationId xmlns:a16="http://schemas.microsoft.com/office/drawing/2014/main" id="{E3E2BFB5-EA50-12E5-6B27-9A5EFF6D5A6D}"/>
+              </a:ext>
+            </a:extLst>
+          </p:cNvPr>
           <p:cNvSpPr>
             <a:spLocks noGrp="1"/>
           </p:cNvSpPr>
@@ -5064,78 +5471,94 @@
             <p:ph idx="1"/>
           </p:nvPr>
         </p:nvSpPr>
+        <p:spPr/>
+        <p:txBody>
+          <a:bodyPr anchor="t">
+            <a:normAutofit/>
+          </a:bodyPr>
+          <a:lstStyle/>
+          <a:p>
+            <a:r>
+              <a:rPr lang="en-US" sz="2400" dirty="0"/>
+              <a:t>What happens if someday we want to use the code in this file as </a:t>
+            </a:r>
+            <a:r>
+              <a:rPr lang="en-US" sz="2400" b="1" dirty="0"/>
+              <a:t>part of another program</a:t>
+            </a:r>
+            <a:r>
+              <a:rPr lang="en-US" sz="2400" dirty="0"/>
+              <a:t>?</a:t>
+            </a:r>
+          </a:p>
+        </p:txBody>
+      </p:sp>
+      <p:pic>
+        <p:nvPicPr>
+          <p:cNvPr id="4" name="Picture 3" descr="A screen shot of a computer program&#10;&#10;Description automatically generated">
+            <a:extLst>
+              <a:ext uri="{FF2B5EF4-FFF2-40B4-BE49-F238E27FC236}">
+                <a16:creationId xmlns:a16="http://schemas.microsoft.com/office/drawing/2014/main" id="{5759A69A-0E19-5B70-7E93-58FEA3A13845}"/>
+              </a:ext>
+            </a:extLst>
+          </p:cNvPr>
+          <p:cNvPicPr>
+            <a:picLocks noChangeAspect="1"/>
+          </p:cNvPicPr>
+          <p:nvPr/>
+        </p:nvPicPr>
+        <p:blipFill>
+          <a:blip r:embed="rId3">
+            <a:alphaModFix amt="20000"/>
+          </a:blip>
+          <a:stretch>
+            <a:fillRect/>
+          </a:stretch>
+        </p:blipFill>
         <p:spPr>
           <a:xfrm>
-            <a:off x="5123542" y="2454111"/>
-            <a:ext cx="4624011" cy="1949777"/>
+            <a:off x="3594369" y="1621613"/>
+            <a:ext cx="6495795" cy="5120640"/>
           </a:xfrm>
-          <a:prstGeom prst="roundRect">
+          <a:prstGeom prst="rect">
             <a:avLst/>
           </a:prstGeom>
         </p:spPr>
-        <p:style>
-          <a:lnRef idx="2">
-            <a:schemeClr val="accent2">
-              <a:shade val="15000"/>
-            </a:schemeClr>
-          </a:lnRef>
-          <a:fillRef idx="1">
-            <a:schemeClr val="accent2"/>
-          </a:fillRef>
-          <a:effectRef idx="0">
-            <a:schemeClr val="accent2"/>
-          </a:effectRef>
-          <a:fontRef idx="minor">
-            <a:schemeClr val="lt1"/>
-          </a:fontRef>
-        </p:style>
-        <p:txBody>
-          <a:bodyPr>
-            <a:noAutofit/>
-          </a:bodyPr>
-          <a:lstStyle/>
-          <a:p>
-            <a:pPr marL="0" indent="0">
-              <a:buNone/>
-            </a:pPr>
-            <a:endParaRPr lang="en-US" sz="3200" dirty="0"/>
-          </a:p>
-          <a:p>
-            <a:pPr marL="0" indent="0" algn="ctr">
-              <a:buNone/>
-            </a:pPr>
-            <a:endParaRPr lang="en-US" sz="3200" dirty="0"/>
-          </a:p>
-          <a:p>
-            <a:pPr marL="0" indent="0" algn="ctr">
-              <a:buNone/>
-            </a:pPr>
-            <a:endParaRPr lang="en-US" sz="3200" dirty="0"/>
-          </a:p>
-          <a:p>
-            <a:pPr marL="0" indent="0" algn="ctr">
-              <a:buNone/>
-            </a:pPr>
-            <a:r>
-              <a:rPr lang="en-US" sz="3200" dirty="0"/>
-              <a:t>Why bother?</a:t>
-            </a:r>
-          </a:p>
-          <a:p>
-            <a:endParaRPr lang="en-US" sz="3200" dirty="0"/>
-          </a:p>
-          <a:p>
-            <a:endParaRPr lang="en-US" sz="3200" dirty="0"/>
-          </a:p>
-          <a:p>
-            <a:endParaRPr lang="en-US" sz="3200" dirty="0"/>
-          </a:p>
-        </p:txBody>
-      </p:sp>
+      </p:pic>
+      <p:pic>
+        <p:nvPicPr>
+          <p:cNvPr id="7" name="Picture 6" descr="A screen shot of a computer program&#10;&#10;Description automatically generated">
+            <a:extLst>
+              <a:ext uri="{FF2B5EF4-FFF2-40B4-BE49-F238E27FC236}">
+                <a16:creationId xmlns:a16="http://schemas.microsoft.com/office/drawing/2014/main" id="{A4A5C1BF-645D-52A4-5F73-89DD2EAAF25E}"/>
+              </a:ext>
+            </a:extLst>
+          </p:cNvPr>
+          <p:cNvPicPr>
+            <a:picLocks noChangeAspect="1"/>
+          </p:cNvPicPr>
+          <p:nvPr/>
+        </p:nvPicPr>
+        <p:blipFill>
+          <a:blip r:embed="rId4"/>
+          <a:stretch>
+            <a:fillRect/>
+          </a:stretch>
+        </p:blipFill>
+        <p:spPr>
+          <a:xfrm>
+            <a:off x="6443882" y="1659745"/>
+            <a:ext cx="6367604" cy="5094083"/>
+          </a:xfrm>
+          <a:prstGeom prst="rect">
+            <a:avLst/>
+          </a:prstGeom>
+        </p:spPr>
+      </p:pic>
     </p:spTree>
     <p:extLst>
       <p:ext uri="{BB962C8B-B14F-4D97-AF65-F5344CB8AC3E}">
-        <p14:creationId xmlns:p14="http://schemas.microsoft.com/office/powerpoint/2010/main" val="1371415532"/>
+        <p14:creationId xmlns:p14="http://schemas.microsoft.com/office/powerpoint/2010/main" val="1062884127"/>
       </p:ext>
     </p:extLst>
   </p:cSld>
@@ -5150,7 +5573,13 @@
   <p:cSld>
     <p:spTree>
       <p:nvGrpSpPr>
-        <p:cNvPr id="1" name=""/>
+        <p:cNvPr id="1" name="">
+          <a:extLst>
+            <a:ext uri="{FF2B5EF4-FFF2-40B4-BE49-F238E27FC236}">
+              <a16:creationId xmlns:a16="http://schemas.microsoft.com/office/drawing/2014/main" id="{70CE2FEC-08EB-0659-3F0C-17AA59048336}"/>
+            </a:ext>
+          </a:extLst>
+        </p:cNvPr>
         <p:cNvGrpSpPr/>
         <p:nvPr/>
       </p:nvGrpSpPr>
@@ -5167,7 +5596,7 @@
           <p:cNvPr id="2" name="Title 1">
             <a:extLst>
               <a:ext uri="{FF2B5EF4-FFF2-40B4-BE49-F238E27FC236}">
-                <a16:creationId xmlns:a16="http://schemas.microsoft.com/office/drawing/2014/main" id="{8831786A-B8E3-894D-BFE2-E153DB828A94}"/>
+                <a16:creationId xmlns:a16="http://schemas.microsoft.com/office/drawing/2014/main" id="{9DCFBA48-7E9B-648E-EE34-F7FC0B43BD2E}"/>
               </a:ext>
             </a:extLst>
           </p:cNvPr>
@@ -5195,7 +5624,7 @@
           <p:cNvPr id="3" name="Content Placeholder 2">
             <a:extLst>
               <a:ext uri="{FF2B5EF4-FFF2-40B4-BE49-F238E27FC236}">
-                <a16:creationId xmlns:a16="http://schemas.microsoft.com/office/drawing/2014/main" id="{E3716C48-00EE-B147-9657-CA3C3E47F933}"/>
+                <a16:creationId xmlns:a16="http://schemas.microsoft.com/office/drawing/2014/main" id="{2437CC76-82F7-5928-C3DC-83048E4EC897}"/>
               </a:ext>
             </a:extLst>
           </p:cNvPr>
@@ -5230,10 +5659,10 @@
       </p:sp>
       <p:pic>
         <p:nvPicPr>
-          <p:cNvPr id="11" name="Picture 10" descr="A screenshot of a computer program&#10;&#10;Description automatically generated">
+          <p:cNvPr id="4" name="Picture 3" descr="A screen shot of a computer program&#10;&#10;Description automatically generated">
             <a:extLst>
               <a:ext uri="{FF2B5EF4-FFF2-40B4-BE49-F238E27FC236}">
-                <a16:creationId xmlns:a16="http://schemas.microsoft.com/office/drawing/2014/main" id="{CA0780DC-DD69-99DA-B7A8-B96CC927E964}"/>
+                <a16:creationId xmlns:a16="http://schemas.microsoft.com/office/drawing/2014/main" id="{12F77816-838D-D852-09E6-3A03657AB8F2}"/>
               </a:ext>
             </a:extLst>
           </p:cNvPr>
@@ -5244,7 +5673,7 @@
         </p:nvPicPr>
         <p:blipFill>
           <a:blip r:embed="rId3">
-            <a:alphaModFix amt="50000"/>
+            <a:alphaModFix amt="20000"/>
           </a:blip>
           <a:stretch>
             <a:fillRect/>
@@ -5252,8 +5681,8 @@
         </p:blipFill>
         <p:spPr>
           <a:xfrm>
-            <a:off x="3517115" y="1637392"/>
-            <a:ext cx="8421966" cy="3583215"/>
+            <a:off x="3594369" y="1621613"/>
+            <a:ext cx="6495795" cy="5120640"/>
           </a:xfrm>
           <a:prstGeom prst="rect">
             <a:avLst/>
@@ -5262,10 +5691,10 @@
       </p:pic>
       <p:pic>
         <p:nvPicPr>
-          <p:cNvPr id="15" name="Picture 14" descr="A screenshot of a computer&#10;&#10;Description automatically generated">
+          <p:cNvPr id="7" name="Picture 6" descr="A screen shot of a computer program&#10;&#10;Description automatically generated">
             <a:extLst>
               <a:ext uri="{FF2B5EF4-FFF2-40B4-BE49-F238E27FC236}">
-                <a16:creationId xmlns:a16="http://schemas.microsoft.com/office/drawing/2014/main" id="{CC837C60-ECD2-8685-04DB-F26197DF9CD8}"/>
+                <a16:creationId xmlns:a16="http://schemas.microsoft.com/office/drawing/2014/main" id="{33AE4483-0576-7DFF-3794-35E22142D602}"/>
               </a:ext>
             </a:extLst>
           </p:cNvPr>
@@ -5274,25 +5703,194 @@
           </p:cNvPicPr>
           <p:nvPr/>
         </p:nvPicPr>
-        <p:blipFill rotWithShape="1">
+        <p:blipFill>
           <a:blip r:embed="rId4"/>
-          <a:srcRect b="32078"/>
-          <a:stretch/>
+          <a:stretch>
+            <a:fillRect/>
+          </a:stretch>
         </p:blipFill>
         <p:spPr>
           <a:xfrm>
-            <a:off x="6458857" y="4117612"/>
-            <a:ext cx="5480224" cy="1911699"/>
+            <a:off x="6443882" y="1659745"/>
+            <a:ext cx="6367604" cy="5094083"/>
           </a:xfrm>
           <a:prstGeom prst="rect">
             <a:avLst/>
           </a:prstGeom>
         </p:spPr>
       </p:pic>
+      <p:sp>
+        <p:nvSpPr>
+          <p:cNvPr id="5" name="Frame 4">
+            <a:extLst>
+              <a:ext uri="{FF2B5EF4-FFF2-40B4-BE49-F238E27FC236}">
+                <a16:creationId xmlns:a16="http://schemas.microsoft.com/office/drawing/2014/main" id="{CA843C67-258F-14DC-0A8B-1323743FCB6A}"/>
+              </a:ext>
+            </a:extLst>
+          </p:cNvPr>
+          <p:cNvSpPr/>
+          <p:nvPr/>
+        </p:nvSpPr>
+        <p:spPr>
+          <a:xfrm>
+            <a:off x="7072132" y="3703899"/>
+            <a:ext cx="2338086" cy="358815"/>
+          </a:xfrm>
+          <a:prstGeom prst="frame">
+            <a:avLst/>
+          </a:prstGeom>
+          <a:solidFill>
+            <a:srgbClr val="FFFF00"/>
+          </a:solidFill>
+          <a:ln>
+            <a:noFill/>
+          </a:ln>
+        </p:spPr>
+        <p:style>
+          <a:lnRef idx="2">
+            <a:schemeClr val="accent1">
+              <a:shade val="15000"/>
+            </a:schemeClr>
+          </a:lnRef>
+          <a:fillRef idx="1">
+            <a:schemeClr val="accent1"/>
+          </a:fillRef>
+          <a:effectRef idx="0">
+            <a:schemeClr val="accent1"/>
+          </a:effectRef>
+          <a:fontRef idx="minor">
+            <a:schemeClr val="lt1"/>
+          </a:fontRef>
+        </p:style>
+        <p:txBody>
+          <a:bodyPr rtlCol="0" anchor="ctr"/>
+          <a:lstStyle/>
+          <a:p>
+            <a:pPr algn="ctr"/>
+            <a:endParaRPr lang="en-US">
+              <a:solidFill>
+                <a:schemeClr val="tx1"/>
+              </a:solidFill>
+            </a:endParaRPr>
+          </a:p>
+        </p:txBody>
+      </p:sp>
+      <p:sp>
+        <p:nvSpPr>
+          <p:cNvPr id="6" name="Frame 5">
+            <a:extLst>
+              <a:ext uri="{FF2B5EF4-FFF2-40B4-BE49-F238E27FC236}">
+                <a16:creationId xmlns:a16="http://schemas.microsoft.com/office/drawing/2014/main" id="{3011D022-4A99-E3B8-7483-516989B0ABD1}"/>
+              </a:ext>
+            </a:extLst>
+          </p:cNvPr>
+          <p:cNvSpPr/>
+          <p:nvPr/>
+        </p:nvSpPr>
+        <p:spPr>
+          <a:xfrm>
+            <a:off x="8026976" y="5236387"/>
+            <a:ext cx="2457155" cy="358815"/>
+          </a:xfrm>
+          <a:prstGeom prst="frame">
+            <a:avLst/>
+          </a:prstGeom>
+          <a:solidFill>
+            <a:srgbClr val="FFFF00"/>
+          </a:solidFill>
+          <a:ln>
+            <a:noFill/>
+          </a:ln>
+        </p:spPr>
+        <p:style>
+          <a:lnRef idx="2">
+            <a:schemeClr val="accent1">
+              <a:shade val="15000"/>
+            </a:schemeClr>
+          </a:lnRef>
+          <a:fillRef idx="1">
+            <a:schemeClr val="accent1"/>
+          </a:fillRef>
+          <a:effectRef idx="0">
+            <a:schemeClr val="accent1"/>
+          </a:effectRef>
+          <a:fontRef idx="minor">
+            <a:schemeClr val="lt1"/>
+          </a:fontRef>
+        </p:style>
+        <p:txBody>
+          <a:bodyPr rtlCol="0" anchor="ctr"/>
+          <a:lstStyle/>
+          <a:p>
+            <a:pPr algn="ctr"/>
+            <a:endParaRPr lang="en-US">
+              <a:solidFill>
+                <a:schemeClr val="tx1"/>
+              </a:solidFill>
+            </a:endParaRPr>
+          </a:p>
+        </p:txBody>
+      </p:sp>
+      <p:sp>
+        <p:nvSpPr>
+          <p:cNvPr id="8" name="Frame 7">
+            <a:extLst>
+              <a:ext uri="{FF2B5EF4-FFF2-40B4-BE49-F238E27FC236}">
+                <a16:creationId xmlns:a16="http://schemas.microsoft.com/office/drawing/2014/main" id="{92E1513B-9C32-C740-7FC3-96CB59D239A0}"/>
+              </a:ext>
+            </a:extLst>
+          </p:cNvPr>
+          <p:cNvSpPr/>
+          <p:nvPr/>
+        </p:nvSpPr>
+        <p:spPr>
+          <a:xfrm>
+            <a:off x="8026976" y="4797069"/>
+            <a:ext cx="2457155" cy="358815"/>
+          </a:xfrm>
+          <a:prstGeom prst="frame">
+            <a:avLst/>
+          </a:prstGeom>
+          <a:solidFill>
+            <a:srgbClr val="FFFF00"/>
+          </a:solidFill>
+          <a:ln>
+            <a:noFill/>
+          </a:ln>
+        </p:spPr>
+        <p:style>
+          <a:lnRef idx="2">
+            <a:schemeClr val="accent1">
+              <a:shade val="15000"/>
+            </a:schemeClr>
+          </a:lnRef>
+          <a:fillRef idx="1">
+            <a:schemeClr val="accent1"/>
+          </a:fillRef>
+          <a:effectRef idx="0">
+            <a:schemeClr val="accent1"/>
+          </a:effectRef>
+          <a:fontRef idx="minor">
+            <a:schemeClr val="lt1"/>
+          </a:fontRef>
+        </p:style>
+        <p:txBody>
+          <a:bodyPr rtlCol="0" anchor="ctr"/>
+          <a:lstStyle/>
+          <a:p>
+            <a:pPr algn="ctr"/>
+            <a:endParaRPr lang="en-US">
+              <a:solidFill>
+                <a:schemeClr val="tx1"/>
+              </a:solidFill>
+            </a:endParaRPr>
+          </a:p>
+        </p:txBody>
+      </p:sp>
     </p:spTree>
     <p:extLst>
       <p:ext uri="{BB962C8B-B14F-4D97-AF65-F5344CB8AC3E}">
-        <p14:creationId xmlns:p14="http://schemas.microsoft.com/office/powerpoint/2010/main" val="3288174677"/>
+        <p14:creationId xmlns:p14="http://schemas.microsoft.com/office/powerpoint/2010/main" val="758694"/>
       </p:ext>
     </p:extLst>
   </p:cSld>
@@ -5387,10 +5985,10 @@
       </p:sp>
       <p:pic>
         <p:nvPicPr>
-          <p:cNvPr id="11" name="Picture 10" descr="A screenshot of a computer program&#10;&#10;Description automatically generated">
+          <p:cNvPr id="4" name="Picture 3" descr="A screen shot of a computer program&#10;&#10;Description automatically generated">
             <a:extLst>
               <a:ext uri="{FF2B5EF4-FFF2-40B4-BE49-F238E27FC236}">
-                <a16:creationId xmlns:a16="http://schemas.microsoft.com/office/drawing/2014/main" id="{CA0780DC-DD69-99DA-B7A8-B96CC927E964}"/>
+                <a16:creationId xmlns:a16="http://schemas.microsoft.com/office/drawing/2014/main" id="{49AD104E-3782-E07C-79B7-071433C0158C}"/>
               </a:ext>
             </a:extLst>
           </p:cNvPr>
@@ -5401,7 +5999,7 @@
         </p:nvPicPr>
         <p:blipFill>
           <a:blip r:embed="rId3">
-            <a:alphaModFix amt="50000"/>
+            <a:alphaModFix amt="20000"/>
           </a:blip>
           <a:stretch>
             <a:fillRect/>
@@ -5409,8 +6007,8 @@
         </p:blipFill>
         <p:spPr>
           <a:xfrm>
-            <a:off x="3517115" y="1637392"/>
-            <a:ext cx="8421966" cy="3583215"/>
+            <a:off x="3594369" y="1621613"/>
+            <a:ext cx="6495795" cy="5120640"/>
           </a:xfrm>
           <a:prstGeom prst="rect">
             <a:avLst/>
@@ -5419,39 +6017,10 @@
       </p:pic>
       <p:pic>
         <p:nvPicPr>
-          <p:cNvPr id="15" name="Picture 14" descr="A screenshot of a computer&#10;&#10;Description automatically generated">
+          <p:cNvPr id="10" name="Picture 9" descr="A screen shot of a computer program&#10;&#10;Description automatically generated">
             <a:extLst>
               <a:ext uri="{FF2B5EF4-FFF2-40B4-BE49-F238E27FC236}">
-                <a16:creationId xmlns:a16="http://schemas.microsoft.com/office/drawing/2014/main" id="{CC837C60-ECD2-8685-04DB-F26197DF9CD8}"/>
-              </a:ext>
-            </a:extLst>
-          </p:cNvPr>
-          <p:cNvPicPr>
-            <a:picLocks noChangeAspect="1"/>
-          </p:cNvPicPr>
-          <p:nvPr/>
-        </p:nvPicPr>
-        <p:blipFill rotWithShape="1">
-          <a:blip r:embed="rId4"/>
-          <a:srcRect b="32078"/>
-          <a:stretch/>
-        </p:blipFill>
-        <p:spPr>
-          <a:xfrm>
-            <a:off x="6458857" y="4117612"/>
-            <a:ext cx="5480224" cy="1911699"/>
-          </a:xfrm>
-          <a:prstGeom prst="rect">
-            <a:avLst/>
-          </a:prstGeom>
-        </p:spPr>
-      </p:pic>
-      <p:pic>
-        <p:nvPicPr>
-          <p:cNvPr id="5" name="Picture 4" descr="A screenshot of a computer&#10;&#10;Description automatically generated">
-            <a:extLst>
-              <a:ext uri="{FF2B5EF4-FFF2-40B4-BE49-F238E27FC236}">
-                <a16:creationId xmlns:a16="http://schemas.microsoft.com/office/drawing/2014/main" id="{EC832EDD-EF55-79E4-161C-20D2B930B1B0}"/>
+                <a16:creationId xmlns:a16="http://schemas.microsoft.com/office/drawing/2014/main" id="{79EAA59E-286B-B10A-A22E-0643CA5BBE82}"/>
               </a:ext>
             </a:extLst>
           </p:cNvPr>
@@ -5461,21 +6030,78 @@
           <p:nvPr/>
         </p:nvPicPr>
         <p:blipFill>
-          <a:blip r:embed="rId5"/>
+          <a:blip r:embed="rId4"/>
           <a:stretch>
             <a:fillRect/>
           </a:stretch>
         </p:blipFill>
         <p:spPr>
           <a:xfrm>
-            <a:off x="1817839" y="3061091"/>
-            <a:ext cx="10121242" cy="3305728"/>
+            <a:off x="6443882" y="1659745"/>
+            <a:ext cx="6367604" cy="5094083"/>
           </a:xfrm>
           <a:prstGeom prst="rect">
             <a:avLst/>
           </a:prstGeom>
         </p:spPr>
       </p:pic>
+      <p:sp>
+        <p:nvSpPr>
+          <p:cNvPr id="12" name="Rounded Rectangle 11">
+            <a:extLst>
+              <a:ext uri="{FF2B5EF4-FFF2-40B4-BE49-F238E27FC236}">
+                <a16:creationId xmlns:a16="http://schemas.microsoft.com/office/drawing/2014/main" id="{525E452C-7D37-4F77-7C09-31D828B28860}"/>
+              </a:ext>
+            </a:extLst>
+          </p:cNvPr>
+          <p:cNvSpPr/>
+          <p:nvPr/>
+        </p:nvSpPr>
+        <p:spPr>
+          <a:xfrm>
+            <a:off x="3750197" y="648182"/>
+            <a:ext cx="7465671" cy="868102"/>
+          </a:xfrm>
+          <a:prstGeom prst="roundRect">
+            <a:avLst/>
+          </a:prstGeom>
+        </p:spPr>
+        <p:style>
+          <a:lnRef idx="2">
+            <a:schemeClr val="accent5">
+              <a:shade val="15000"/>
+            </a:schemeClr>
+          </a:lnRef>
+          <a:fillRef idx="1">
+            <a:schemeClr val="accent5"/>
+          </a:fillRef>
+          <a:effectRef idx="0">
+            <a:schemeClr val="accent5"/>
+          </a:effectRef>
+          <a:fontRef idx="minor">
+            <a:schemeClr val="lt1"/>
+          </a:fontRef>
+        </p:style>
+        <p:txBody>
+          <a:bodyPr rtlCol="0" anchor="ctr"/>
+          <a:lstStyle/>
+          <a:p>
+            <a:pPr algn="ctr"/>
+            <a:r>
+              <a:rPr lang="en-US" sz="2400" dirty="0"/>
+              <a:t>What will happen if I run </a:t>
+            </a:r>
+            <a:r>
+              <a:rPr lang="en-US" sz="2400" dirty="0" err="1"/>
+              <a:t>main.py</a:t>
+            </a:r>
+            <a:r>
+              <a:rPr lang="en-US" sz="2400" dirty="0"/>
+              <a:t>?</a:t>
+            </a:r>
+          </a:p>
+        </p:txBody>
+      </p:sp>
     </p:spTree>
     <p:extLst>
       <p:ext uri="{BB962C8B-B14F-4D97-AF65-F5344CB8AC3E}">
@@ -5494,7 +6120,13 @@
   <p:cSld>
     <p:spTree>
       <p:nvGrpSpPr>
-        <p:cNvPr id="1" name=""/>
+        <p:cNvPr id="1" name="">
+          <a:extLst>
+            <a:ext uri="{FF2B5EF4-FFF2-40B4-BE49-F238E27FC236}">
+              <a16:creationId xmlns:a16="http://schemas.microsoft.com/office/drawing/2014/main" id="{ECBB9E87-C197-E4B8-A85E-028D3C638D52}"/>
+            </a:ext>
+          </a:extLst>
+        </p:cNvPr>
         <p:cNvGrpSpPr/>
         <p:nvPr/>
       </p:nvGrpSpPr>
@@ -5511,7 +6143,7 @@
           <p:cNvPr id="2" name="Title 1">
             <a:extLst>
               <a:ext uri="{FF2B5EF4-FFF2-40B4-BE49-F238E27FC236}">
-                <a16:creationId xmlns:a16="http://schemas.microsoft.com/office/drawing/2014/main" id="{78C25075-DB59-4443-8E60-3130867B7631}"/>
+                <a16:creationId xmlns:a16="http://schemas.microsoft.com/office/drawing/2014/main" id="{62614A2B-616C-4358-0D17-FE61F3532DD0}"/>
               </a:ext>
             </a:extLst>
           </p:cNvPr>
@@ -5529,7 +6161,7 @@
           <a:p>
             <a:r>
               <a:rPr lang="en-US" dirty="0"/>
-              <a:t>Discussion</a:t>
+              <a:t>Just one more thing…</a:t>
             </a:r>
           </a:p>
         </p:txBody>
@@ -5539,7 +6171,7 @@
           <p:cNvPr id="3" name="Content Placeholder 2">
             <a:extLst>
               <a:ext uri="{FF2B5EF4-FFF2-40B4-BE49-F238E27FC236}">
-                <a16:creationId xmlns:a16="http://schemas.microsoft.com/office/drawing/2014/main" id="{67F2EE41-819D-1941-952D-1CAD56E87447}"/>
+                <a16:creationId xmlns:a16="http://schemas.microsoft.com/office/drawing/2014/main" id="{FF80E099-C70E-5DCA-57DE-9FC2B7FCDDFC}"/>
               </a:ext>
             </a:extLst>
           </p:cNvPr>
@@ -5552,61 +6184,239 @@
         </p:nvSpPr>
         <p:spPr/>
         <p:txBody>
-          <a:bodyPr>
+          <a:bodyPr anchor="t">
             <a:normAutofit/>
           </a:bodyPr>
           <a:lstStyle/>
           <a:p>
             <a:r>
+              <a:rPr lang="en-US" sz="2400" dirty="0"/>
+              <a:t>What happens if someday we want to use the code in this file as </a:t>
+            </a:r>
+            <a:r>
               <a:rPr lang="en-US" sz="2400" b="1" dirty="0"/>
-              <a:t>What we need: </a:t>
+              <a:t>part of another program</a:t>
             </a:r>
             <a:r>
               <a:rPr lang="en-US" sz="2400" dirty="0"/>
-              <a:t>a way to tell python to behave one way when we </a:t>
-            </a:r>
-            <a:r>
-              <a:rPr lang="en-US" sz="2400" b="1" dirty="0"/>
-              <a:t>run it as a “stand-alone” program</a:t>
-            </a:r>
+              <a:t>?</a:t>
+            </a:r>
+          </a:p>
+        </p:txBody>
+      </p:sp>
+      <p:pic>
+        <p:nvPicPr>
+          <p:cNvPr id="4" name="Picture 3" descr="A screen shot of a computer program&#10;&#10;Description automatically generated">
+            <a:extLst>
+              <a:ext uri="{FF2B5EF4-FFF2-40B4-BE49-F238E27FC236}">
+                <a16:creationId xmlns:a16="http://schemas.microsoft.com/office/drawing/2014/main" id="{06C645E2-CFEA-18DA-6BEF-3355039A85A7}"/>
+              </a:ext>
+            </a:extLst>
+          </p:cNvPr>
+          <p:cNvPicPr>
+            <a:picLocks noChangeAspect="1"/>
+          </p:cNvPicPr>
+          <p:nvPr/>
+        </p:nvPicPr>
+        <p:blipFill>
+          <a:blip r:embed="rId3">
+            <a:alphaModFix amt="20000"/>
+          </a:blip>
+          <a:stretch>
+            <a:fillRect/>
+          </a:stretch>
+        </p:blipFill>
+        <p:spPr>
+          <a:xfrm>
+            <a:off x="3594369" y="1621613"/>
+            <a:ext cx="6495795" cy="5120640"/>
+          </a:xfrm>
+          <a:prstGeom prst="rect">
+            <a:avLst/>
+          </a:prstGeom>
+        </p:spPr>
+      </p:pic>
+      <p:pic>
+        <p:nvPicPr>
+          <p:cNvPr id="10" name="Picture 9" descr="A screen shot of a computer program&#10;&#10;Description automatically generated">
+            <a:extLst>
+              <a:ext uri="{FF2B5EF4-FFF2-40B4-BE49-F238E27FC236}">
+                <a16:creationId xmlns:a16="http://schemas.microsoft.com/office/drawing/2014/main" id="{36768A2E-03F4-A53A-C75B-EC5725587512}"/>
+              </a:ext>
+            </a:extLst>
+          </p:cNvPr>
+          <p:cNvPicPr>
+            <a:picLocks noChangeAspect="1"/>
+          </p:cNvPicPr>
+          <p:nvPr/>
+        </p:nvPicPr>
+        <p:blipFill>
+          <a:blip r:embed="rId4">
+            <a:alphaModFix amt="20000"/>
+          </a:blip>
+          <a:stretch>
+            <a:fillRect/>
+          </a:stretch>
+        </p:blipFill>
+        <p:spPr>
+          <a:xfrm>
+            <a:off x="6443882" y="1659745"/>
+            <a:ext cx="6367604" cy="5094083"/>
+          </a:xfrm>
+          <a:prstGeom prst="rect">
+            <a:avLst/>
+          </a:prstGeom>
+        </p:spPr>
+      </p:pic>
+      <p:sp>
+        <p:nvSpPr>
+          <p:cNvPr id="12" name="Rounded Rectangle 11">
+            <a:extLst>
+              <a:ext uri="{FF2B5EF4-FFF2-40B4-BE49-F238E27FC236}">
+                <a16:creationId xmlns:a16="http://schemas.microsoft.com/office/drawing/2014/main" id="{29325E65-7BDA-C622-786D-0182ECEA9742}"/>
+              </a:ext>
+            </a:extLst>
+          </p:cNvPr>
+          <p:cNvSpPr/>
+          <p:nvPr/>
+        </p:nvSpPr>
+        <p:spPr>
+          <a:xfrm>
+            <a:off x="3750197" y="648182"/>
+            <a:ext cx="7465671" cy="868102"/>
+          </a:xfrm>
+          <a:prstGeom prst="roundRect">
+            <a:avLst/>
+          </a:prstGeom>
+        </p:spPr>
+        <p:style>
+          <a:lnRef idx="2">
+            <a:schemeClr val="accent5">
+              <a:shade val="15000"/>
+            </a:schemeClr>
+          </a:lnRef>
+          <a:fillRef idx="1">
+            <a:schemeClr val="accent5"/>
+          </a:fillRef>
+          <a:effectRef idx="0">
+            <a:schemeClr val="accent5"/>
+          </a:effectRef>
+          <a:fontRef idx="minor">
+            <a:schemeClr val="lt1"/>
+          </a:fontRef>
+        </p:style>
+        <p:txBody>
+          <a:bodyPr rtlCol="0" anchor="ctr"/>
+          <a:lstStyle/>
+          <a:p>
+            <a:pPr algn="ctr"/>
             <a:r>
               <a:rPr lang="en-US" sz="2400" dirty="0"/>
-              <a:t>, and a different way when we </a:t>
-            </a:r>
-            <a:r>
-              <a:rPr lang="en-US" sz="2400" b="1" dirty="0">
-                <a:solidFill>
-                  <a:srgbClr val="FF9100"/>
-                </a:solidFill>
-                <a:latin typeface="Menlo" panose="020B0609030804020204" pitchFamily="49" charset="0"/>
-                <a:ea typeface="Menlo" panose="020B0609030804020204" pitchFamily="49" charset="0"/>
-                <a:cs typeface="Menlo" panose="020B0609030804020204" pitchFamily="49" charset="0"/>
-              </a:rPr>
-              <a:t>import</a:t>
+              <a:t>What will happen if I run </a:t>
+            </a:r>
+            <a:r>
+              <a:rPr lang="en-US" sz="2400" dirty="0" err="1"/>
+              <a:t>main.py</a:t>
             </a:r>
             <a:r>
               <a:rPr lang="en-US" sz="2400" dirty="0"/>
-              <a:t> it</a:t>
-            </a:r>
-          </a:p>
-          <a:p>
-            <a:endParaRPr lang="en-US" sz="2400" dirty="0"/>
-          </a:p>
-          <a:p>
-            <a:pPr marL="0" indent="0" algn="ctr">
-              <a:buNone/>
-            </a:pPr>
-            <a:r>
-              <a:rPr lang="en-US" sz="2400" dirty="0"/>
-              <a:t>Ideas?</a:t>
-            </a:r>
+              <a:t>?</a:t>
+            </a:r>
+          </a:p>
+        </p:txBody>
+      </p:sp>
+      <p:pic>
+        <p:nvPicPr>
+          <p:cNvPr id="8" name="Picture 7" descr="A screenshot of a computer program&#10;&#10;Description automatically generated">
+            <a:extLst>
+              <a:ext uri="{FF2B5EF4-FFF2-40B4-BE49-F238E27FC236}">
+                <a16:creationId xmlns:a16="http://schemas.microsoft.com/office/drawing/2014/main" id="{CFA60338-3F0D-D381-1B9B-A9F9B0554C69}"/>
+              </a:ext>
+            </a:extLst>
+          </p:cNvPr>
+          <p:cNvPicPr>
+            <a:picLocks noChangeAspect="1"/>
+          </p:cNvPicPr>
+          <p:nvPr/>
+        </p:nvPicPr>
+        <p:blipFill>
+          <a:blip r:embed="rId5"/>
+          <a:stretch>
+            <a:fillRect/>
+          </a:stretch>
+        </p:blipFill>
+        <p:spPr>
+          <a:xfrm>
+            <a:off x="894780" y="1699106"/>
+            <a:ext cx="10749351" cy="5059923"/>
+          </a:xfrm>
+          <a:prstGeom prst="rect">
+            <a:avLst/>
+          </a:prstGeom>
+        </p:spPr>
+      </p:pic>
+      <p:sp>
+        <p:nvSpPr>
+          <p:cNvPr id="9" name="Frame 8">
+            <a:extLst>
+              <a:ext uri="{FF2B5EF4-FFF2-40B4-BE49-F238E27FC236}">
+                <a16:creationId xmlns:a16="http://schemas.microsoft.com/office/drawing/2014/main" id="{00A9EB30-3E5E-7A5E-09F5-AC90BF76130F}"/>
+              </a:ext>
+            </a:extLst>
+          </p:cNvPr>
+          <p:cNvSpPr/>
+          <p:nvPr/>
+        </p:nvSpPr>
+        <p:spPr>
+          <a:xfrm>
+            <a:off x="6246305" y="5366205"/>
+            <a:ext cx="2619902" cy="618543"/>
+          </a:xfrm>
+          <a:prstGeom prst="frame">
+            <a:avLst>
+              <a:gd name="adj1" fmla="val 5015"/>
+            </a:avLst>
+          </a:prstGeom>
+          <a:solidFill>
+            <a:srgbClr val="FFFF00"/>
+          </a:solidFill>
+          <a:ln>
+            <a:noFill/>
+          </a:ln>
+        </p:spPr>
+        <p:style>
+          <a:lnRef idx="2">
+            <a:schemeClr val="accent1">
+              <a:shade val="15000"/>
+            </a:schemeClr>
+          </a:lnRef>
+          <a:fillRef idx="1">
+            <a:schemeClr val="accent1"/>
+          </a:fillRef>
+          <a:effectRef idx="0">
+            <a:schemeClr val="accent1"/>
+          </a:effectRef>
+          <a:fontRef idx="minor">
+            <a:schemeClr val="lt1"/>
+          </a:fontRef>
+        </p:style>
+        <p:txBody>
+          <a:bodyPr rtlCol="0" anchor="ctr"/>
+          <a:lstStyle/>
+          <a:p>
+            <a:pPr algn="ctr"/>
+            <a:endParaRPr lang="en-US">
+              <a:solidFill>
+                <a:schemeClr val="tx1"/>
+              </a:solidFill>
+            </a:endParaRPr>
           </a:p>
         </p:txBody>
       </p:sp>
     </p:spTree>
     <p:extLst>
       <p:ext uri="{BB962C8B-B14F-4D97-AF65-F5344CB8AC3E}">
-        <p14:creationId xmlns:p14="http://schemas.microsoft.com/office/powerpoint/2010/main" val="2036448834"/>
+        <p14:creationId xmlns:p14="http://schemas.microsoft.com/office/powerpoint/2010/main" val="2463514825"/>
       </p:ext>
     </p:extLst>
   </p:cSld>
@@ -5638,7 +6448,7 @@
           <p:cNvPr id="2" name="Title 1">
             <a:extLst>
               <a:ext uri="{FF2B5EF4-FFF2-40B4-BE49-F238E27FC236}">
-                <a16:creationId xmlns:a16="http://schemas.microsoft.com/office/drawing/2014/main" id="{13469C87-7021-BD44-8605-A47D87C06B6C}"/>
+                <a16:creationId xmlns:a16="http://schemas.microsoft.com/office/drawing/2014/main" id="{78C25075-DB59-4443-8E60-3130867B7631}"/>
               </a:ext>
             </a:extLst>
           </p:cNvPr>
@@ -5656,7 +6466,7 @@
           <a:p>
             <a:r>
               <a:rPr lang="en-US" dirty="0"/>
-              <a:t>Python convention</a:t>
+              <a:t>Discussion</a:t>
             </a:r>
           </a:p>
         </p:txBody>
@@ -5666,7 +6476,7 @@
           <p:cNvPr id="3" name="Content Placeholder 2">
             <a:extLst>
               <a:ext uri="{FF2B5EF4-FFF2-40B4-BE49-F238E27FC236}">
-                <a16:creationId xmlns:a16="http://schemas.microsoft.com/office/drawing/2014/main" id="{D639C6A7-6FA2-4D42-8640-981564C45BEB}"/>
+                <a16:creationId xmlns:a16="http://schemas.microsoft.com/office/drawing/2014/main" id="{67F2EE41-819D-1941-952D-1CAD56E87447}"/>
               </a:ext>
             </a:extLst>
           </p:cNvPr>
@@ -5679,14 +6489,26 @@
         </p:nvSpPr>
         <p:spPr/>
         <p:txBody>
-          <a:bodyPr anchor="t">
-            <a:noAutofit/>
+          <a:bodyPr>
+            <a:normAutofit/>
           </a:bodyPr>
           <a:lstStyle/>
           <a:p>
             <a:r>
+              <a:rPr lang="en-US" sz="2400" b="1" dirty="0"/>
+              <a:t>What we need: </a:t>
+            </a:r>
+            <a:r>
               <a:rPr lang="en-US" sz="2400" dirty="0"/>
-              <a:t>We can use an </a:t>
+              <a:t>a way to tell python to behave one way when we </a:t>
+            </a:r>
+            <a:r>
+              <a:rPr lang="en-US" sz="2400" b="1" dirty="0"/>
+              <a:t>run it as a “stand-alone” program</a:t>
+            </a:r>
+            <a:r>
+              <a:rPr lang="en-US" sz="2400" dirty="0"/>
+              <a:t>, and a different way when we </a:t>
             </a:r>
             <a:r>
               <a:rPr lang="en-US" sz="2400" b="1" dirty="0">
@@ -5697,93 +6519,31 @@
                 <a:ea typeface="Menlo" panose="020B0609030804020204" pitchFamily="49" charset="0"/>
                 <a:cs typeface="Menlo" panose="020B0609030804020204" pitchFamily="49" charset="0"/>
               </a:rPr>
-              <a:t>if</a:t>
+              <a:t>import</a:t>
             </a:r>
             <a:r>
               <a:rPr lang="en-US" sz="2400" dirty="0"/>
-              <a:t> statement to tell python to call the </a:t>
-            </a:r>
-            <a:r>
-              <a:rPr lang="en-US" sz="2400" b="1" dirty="0">
-                <a:solidFill>
-                  <a:srgbClr val="3117FF"/>
-                </a:solidFill>
-                <a:latin typeface="Menlo" panose="020B0609030804020204" pitchFamily="49" charset="0"/>
-                <a:ea typeface="Menlo" panose="020B0609030804020204" pitchFamily="49" charset="0"/>
-                <a:cs typeface="Menlo" panose="020B0609030804020204" pitchFamily="49" charset="0"/>
-              </a:rPr>
-              <a:t>main</a:t>
-            </a:r>
-            <a:r>
-              <a:rPr lang="en-US" sz="2400" b="1" dirty="0">
-                <a:latin typeface="Menlo" panose="020B0609030804020204" pitchFamily="49" charset="0"/>
-                <a:ea typeface="Menlo" panose="020B0609030804020204" pitchFamily="49" charset="0"/>
-                <a:cs typeface="Menlo" panose="020B0609030804020204" pitchFamily="49" charset="0"/>
-              </a:rPr>
-              <a:t>()</a:t>
-            </a:r>
-            <a:r>
-              <a:rPr lang="en-US" sz="2400" dirty="0"/>
-              <a:t> function only if the program is being run directly</a:t>
+              <a:t> it</a:t>
             </a:r>
           </a:p>
           <a:p>
             <a:endParaRPr lang="en-US" sz="2400" dirty="0"/>
           </a:p>
           <a:p>
-            <a:endParaRPr lang="en-US" sz="2400" dirty="0"/>
-          </a:p>
-          <a:p>
-            <a:endParaRPr lang="en-US" sz="2400" dirty="0"/>
-          </a:p>
-          <a:p>
-            <a:endParaRPr lang="en-US" sz="2400" dirty="0"/>
-          </a:p>
-          <a:p>
-            <a:endParaRPr lang="en-US" sz="2400" dirty="0"/>
-          </a:p>
-          <a:p>
-            <a:pPr marL="0" indent="0">
+            <a:pPr marL="0" indent="0" algn="ctr">
               <a:buNone/>
             </a:pPr>
-            <a:endParaRPr lang="en-US" sz="2400" dirty="0"/>
-          </a:p>
-        </p:txBody>
-      </p:sp>
-      <p:pic>
-        <p:nvPicPr>
-          <p:cNvPr id="6" name="Picture 5" descr="A screenshot of a computer program&#10;&#10;Description automatically generated">
-            <a:extLst>
-              <a:ext uri="{FF2B5EF4-FFF2-40B4-BE49-F238E27FC236}">
-                <a16:creationId xmlns:a16="http://schemas.microsoft.com/office/drawing/2014/main" id="{B518C01E-1168-2425-117C-AB1B620E903E}"/>
-              </a:ext>
-            </a:extLst>
-          </p:cNvPr>
-          <p:cNvPicPr>
-            <a:picLocks noChangeAspect="1"/>
-          </p:cNvPicPr>
-          <p:nvPr/>
-        </p:nvPicPr>
-        <p:blipFill>
-          <a:blip r:embed="rId2"/>
-          <a:stretch>
-            <a:fillRect/>
-          </a:stretch>
-        </p:blipFill>
-        <p:spPr>
-          <a:xfrm>
-            <a:off x="3537253" y="2017485"/>
-            <a:ext cx="8524975" cy="3846285"/>
-          </a:xfrm>
-          <a:prstGeom prst="rect">
-            <a:avLst/>
-          </a:prstGeom>
-        </p:spPr>
-      </p:pic>
+            <a:r>
+              <a:rPr lang="en-US" sz="2400" dirty="0"/>
+              <a:t>Ideas?</a:t>
+            </a:r>
+          </a:p>
+        </p:txBody>
+      </p:sp>
     </p:spTree>
     <p:extLst>
       <p:ext uri="{BB962C8B-B14F-4D97-AF65-F5344CB8AC3E}">
-        <p14:creationId xmlns:p14="http://schemas.microsoft.com/office/powerpoint/2010/main" val="1080642739"/>
+        <p14:creationId xmlns:p14="http://schemas.microsoft.com/office/powerpoint/2010/main" val="2036448834"/>
       </p:ext>
     </p:extLst>
   </p:cSld>
@@ -5863,15 +6623,22 @@
           <a:p>
             <a:r>
               <a:rPr lang="en-US" sz="2400" dirty="0"/>
-              <a:t>This is a little bit </a:t>
-            </a:r>
-            <a:r>
-              <a:rPr lang="en-US" sz="2400" b="1" dirty="0"/>
-              <a:t>confusing</a:t>
+              <a:t>We can use an </a:t>
+            </a:r>
+            <a:r>
+              <a:rPr lang="en-US" sz="2400" b="1" dirty="0">
+                <a:solidFill>
+                  <a:srgbClr val="FF9100"/>
+                </a:solidFill>
+                <a:latin typeface="Menlo" panose="020B0609030804020204" pitchFamily="49" charset="0"/>
+                <a:ea typeface="Menlo" panose="020B0609030804020204" pitchFamily="49" charset="0"/>
+                <a:cs typeface="Menlo" panose="020B0609030804020204" pitchFamily="49" charset="0"/>
+              </a:rPr>
+              <a:t>if</a:t>
             </a:r>
             <a:r>
               <a:rPr lang="en-US" sz="2400" dirty="0"/>
-              <a:t>: we named the function we created to hold our program was called </a:t>
+              <a:t> statement to tell python to call the </a:t>
             </a:r>
             <a:r>
               <a:rPr lang="en-US" sz="2400" b="1" dirty="0">
@@ -5894,7 +6661,7 @@
             </a:r>
             <a:r>
               <a:rPr lang="en-US" sz="2400" dirty="0"/>
-              <a:t> </a:t>
+              <a:t> function only if the program is being run directly</a:t>
             </a:r>
           </a:p>
           <a:p>
@@ -5922,10 +6689,10 @@
       </p:sp>
       <p:pic>
         <p:nvPicPr>
-          <p:cNvPr id="4" name="Picture 3" descr="A screenshot of a computer program&#10;&#10;Description automatically generated">
+          <p:cNvPr id="7" name="Picture 6" descr="A screen shot of a computer&#10;&#10;Description automatically generated">
             <a:extLst>
               <a:ext uri="{FF2B5EF4-FFF2-40B4-BE49-F238E27FC236}">
-                <a16:creationId xmlns:a16="http://schemas.microsoft.com/office/drawing/2014/main" id="{C433B990-0767-5AF1-7CAC-FAF8F8E607BB}"/>
+                <a16:creationId xmlns:a16="http://schemas.microsoft.com/office/drawing/2014/main" id="{FDDC3384-D85A-984C-CBD8-3A880477B0EB}"/>
               </a:ext>
             </a:extLst>
           </p:cNvPr>
@@ -5935,75 +6702,15 @@
           <p:nvPr/>
         </p:nvPicPr>
         <p:blipFill>
-          <a:blip r:embed="rId2">
-            <a:alphaModFix amt="25000"/>
-          </a:blip>
+          <a:blip r:embed="rId3"/>
           <a:stretch>
             <a:fillRect/>
           </a:stretch>
         </p:blipFill>
         <p:spPr>
           <a:xfrm>
-            <a:off x="3537253" y="1878735"/>
-            <a:ext cx="8524975" cy="3846285"/>
-          </a:xfrm>
-          <a:prstGeom prst="rect">
-            <a:avLst/>
-          </a:prstGeom>
-        </p:spPr>
-      </p:pic>
-      <p:pic>
-        <p:nvPicPr>
-          <p:cNvPr id="8" name="Picture 7" descr="A screenshot of a computer program&#10;&#10;Description automatically generated">
-            <a:extLst>
-              <a:ext uri="{FF2B5EF4-FFF2-40B4-BE49-F238E27FC236}">
-                <a16:creationId xmlns:a16="http://schemas.microsoft.com/office/drawing/2014/main" id="{9B6A2977-81EC-2B8B-3AFD-DD26698335D0}"/>
-              </a:ext>
-            </a:extLst>
-          </p:cNvPr>
-          <p:cNvPicPr>
-            <a:picLocks noChangeAspect="1"/>
-          </p:cNvPicPr>
-          <p:nvPr/>
-        </p:nvPicPr>
-        <p:blipFill rotWithShape="1">
-          <a:blip r:embed="rId2"/>
-          <a:srcRect t="27381" b="62430"/>
-          <a:stretch/>
-        </p:blipFill>
-        <p:spPr>
-          <a:xfrm>
-            <a:off x="3537252" y="2931886"/>
-            <a:ext cx="8524975" cy="391885"/>
-          </a:xfrm>
-          <a:prstGeom prst="rect">
-            <a:avLst/>
-          </a:prstGeom>
-        </p:spPr>
-      </p:pic>
-      <p:pic>
-        <p:nvPicPr>
-          <p:cNvPr id="9" name="Picture 8" descr="A screenshot of a computer program&#10;&#10;Description automatically generated">
-            <a:extLst>
-              <a:ext uri="{FF2B5EF4-FFF2-40B4-BE49-F238E27FC236}">
-                <a16:creationId xmlns:a16="http://schemas.microsoft.com/office/drawing/2014/main" id="{3FDB727F-3F1D-4EE8-75BF-E0644B9DC3A0}"/>
-              </a:ext>
-            </a:extLst>
-          </p:cNvPr>
-          <p:cNvPicPr>
-            <a:picLocks noChangeAspect="1"/>
-          </p:cNvPicPr>
-          <p:nvPr/>
-        </p:nvPicPr>
-        <p:blipFill rotWithShape="1">
-          <a:blip r:embed="rId2"/>
-          <a:srcRect t="76061" b="13750"/>
-          <a:stretch/>
-        </p:blipFill>
-        <p:spPr>
-          <a:xfrm>
-            <a:off x="3537251" y="4804228"/>
-            <a:ext cx="8524975" cy="391885"/>
+            <a:off x="5147824" y="1633187"/>
+            <a:ext cx="5743183" cy="5120639"/>
           </a:xfrm>
           <a:prstGeom prst="rect">
             <a:avLst/>
@@ -6013,7 +6720,7 @@
     </p:spTree>
     <p:extLst>
       <p:ext uri="{BB962C8B-B14F-4D97-AF65-F5344CB8AC3E}">
-        <p14:creationId xmlns:p14="http://schemas.microsoft.com/office/powerpoint/2010/main" val="2776055176"/>
+        <p14:creationId xmlns:p14="http://schemas.microsoft.com/office/powerpoint/2010/main" val="1080642739"/>
       </p:ext>
     </p:extLst>
   </p:cSld>
@@ -6093,26 +6800,26 @@
           <a:p>
             <a:r>
               <a:rPr lang="en-US" sz="2400" dirty="0"/>
-              <a:t>In our </a:t>
+              <a:t>This is a little bit </a:t>
+            </a:r>
+            <a:r>
+              <a:rPr lang="en-US" sz="2400" b="1" dirty="0"/>
+              <a:t>confusing</a:t>
+            </a:r>
+            <a:r>
+              <a:rPr lang="en-US" sz="2400" dirty="0"/>
+              <a:t>: we named the function we created to hold our program </a:t>
             </a:r>
             <a:r>
               <a:rPr lang="en-US" sz="2400" b="1" dirty="0">
                 <a:solidFill>
-                  <a:srgbClr val="FF9100"/>
+                  <a:srgbClr val="3117FF"/>
                 </a:solidFill>
                 <a:latin typeface="Menlo" panose="020B0609030804020204" pitchFamily="49" charset="0"/>
                 <a:ea typeface="Menlo" panose="020B0609030804020204" pitchFamily="49" charset="0"/>
                 <a:cs typeface="Menlo" panose="020B0609030804020204" pitchFamily="49" charset="0"/>
               </a:rPr>
-              <a:t>if</a:t>
-            </a:r>
-            <a:r>
-              <a:rPr lang="en-US" sz="2400" b="1" dirty="0"/>
-              <a:t> statement</a:t>
-            </a:r>
-            <a:r>
-              <a:rPr lang="en-US" sz="2400" dirty="0"/>
-              <a:t>, we’re asking whether some variable called </a:t>
+              <a:t>main</a:t>
             </a:r>
             <a:r>
               <a:rPr lang="en-US" sz="2400" b="1" dirty="0">
@@ -6120,50 +6827,12 @@
                 <a:ea typeface="Menlo" panose="020B0609030804020204" pitchFamily="49" charset="0"/>
                 <a:cs typeface="Menlo" panose="020B0609030804020204" pitchFamily="49" charset="0"/>
               </a:rPr>
-              <a:t>__name__</a:t>
-            </a:r>
-            <a:r>
-              <a:rPr lang="en-US" sz="2400" b="1" dirty="0">
-                <a:ea typeface="Menlo" panose="020B0609030804020204" pitchFamily="49" charset="0"/>
-                <a:cs typeface="Menlo" panose="020B0609030804020204" pitchFamily="49" charset="0"/>
-              </a:rPr>
+              <a:t>()</a:t>
+            </a:r>
+            <a:r>
+              <a:rPr lang="en-US" sz="2400" dirty="0"/>
               <a:t> </a:t>
             </a:r>
-            <a:r>
-              <a:rPr lang="en-US" sz="2400" dirty="0">
-                <a:ea typeface="Menlo" panose="020B0609030804020204" pitchFamily="49" charset="0"/>
-                <a:cs typeface="Menlo" panose="020B0609030804020204" pitchFamily="49" charset="0"/>
-              </a:rPr>
-              <a:t>is equal to the string </a:t>
-            </a:r>
-            <a:r>
-              <a:rPr lang="en-US" sz="2400" b="1" dirty="0">
-                <a:solidFill>
-                  <a:srgbClr val="00B050"/>
-                </a:solidFill>
-                <a:latin typeface="Menlo" panose="020B0609030804020204" pitchFamily="49" charset="0"/>
-                <a:ea typeface="Menlo" panose="020B0609030804020204" pitchFamily="49" charset="0"/>
-                <a:cs typeface="Menlo" panose="020B0609030804020204" pitchFamily="49" charset="0"/>
-              </a:rPr>
-              <a:t>"__main__”</a:t>
-            </a:r>
-          </a:p>
-          <a:p>
-            <a:endParaRPr lang="en-US" sz="2400" b="1" dirty="0">
-              <a:solidFill>
-                <a:srgbClr val="00B050"/>
-              </a:solidFill>
-              <a:latin typeface="Menlo" panose="020B0609030804020204" pitchFamily="49" charset="0"/>
-              <a:ea typeface="Menlo" panose="020B0609030804020204" pitchFamily="49" charset="0"/>
-              <a:cs typeface="Menlo" panose="020B0609030804020204" pitchFamily="49" charset="0"/>
-            </a:endParaRPr>
-          </a:p>
-          <a:p>
-            <a:endParaRPr lang="en-US" sz="2400" b="1" dirty="0">
-              <a:latin typeface="Menlo" panose="020B0609030804020204" pitchFamily="49" charset="0"/>
-              <a:ea typeface="Menlo" panose="020B0609030804020204" pitchFamily="49" charset="0"/>
-              <a:cs typeface="Menlo" panose="020B0609030804020204" pitchFamily="49" charset="0"/>
-            </a:endParaRPr>
           </a:p>
           <a:p>
             <a:endParaRPr lang="en-US" sz="2400" dirty="0"/>
@@ -6181,42 +6850,19 @@
             <a:endParaRPr lang="en-US" sz="2400" dirty="0"/>
           </a:p>
           <a:p>
+            <a:pPr marL="0" indent="0">
+              <a:buNone/>
+            </a:pPr>
             <a:endParaRPr lang="en-US" sz="2400" dirty="0"/>
-          </a:p>
-          <a:p>
-            <a:r>
-              <a:rPr lang="en-US" sz="2400" dirty="0"/>
-              <a:t>(not to mention I don’t recall initializing anything called </a:t>
-            </a:r>
-            <a:r>
-              <a:rPr lang="en-US" sz="2400" b="1" dirty="0">
-                <a:latin typeface="Menlo" panose="020B0609030804020204" pitchFamily="49" charset="0"/>
-                <a:ea typeface="Menlo" panose="020B0609030804020204" pitchFamily="49" charset="0"/>
-                <a:cs typeface="Menlo" panose="020B0609030804020204" pitchFamily="49" charset="0"/>
-              </a:rPr>
-              <a:t>__name__</a:t>
-            </a:r>
-            <a:r>
-              <a:rPr lang="en-US" sz="2400" dirty="0">
-                <a:latin typeface="Arial" panose="020B0604020202020204" pitchFamily="34" charset="0"/>
-                <a:ea typeface="Menlo" panose="020B0609030804020204" pitchFamily="49" charset="0"/>
-                <a:cs typeface="Arial" panose="020B0604020202020204" pitchFamily="34" charset="0"/>
-              </a:rPr>
-              <a:t>...)</a:t>
-            </a:r>
-            <a:endParaRPr lang="en-US" sz="2400" dirty="0">
-              <a:latin typeface="Arial" panose="020B0604020202020204" pitchFamily="34" charset="0"/>
-              <a:cs typeface="Arial" panose="020B0604020202020204" pitchFamily="34" charset="0"/>
-            </a:endParaRPr>
           </a:p>
         </p:txBody>
       </p:sp>
       <p:pic>
         <p:nvPicPr>
-          <p:cNvPr id="4" name="Picture 3" descr="A screenshot of a computer program&#10;&#10;Description automatically generated">
+          <p:cNvPr id="6" name="Picture 5" descr="A screen shot of a computer&#10;&#10;Description automatically generated">
             <a:extLst>
               <a:ext uri="{FF2B5EF4-FFF2-40B4-BE49-F238E27FC236}">
-                <a16:creationId xmlns:a16="http://schemas.microsoft.com/office/drawing/2014/main" id="{822AEA63-3F3E-8377-409F-32F69EB96A80}"/>
+                <a16:creationId xmlns:a16="http://schemas.microsoft.com/office/drawing/2014/main" id="{A47AF770-2A87-F318-8C46-8008CCBDAE75}"/>
               </a:ext>
             </a:extLst>
           </p:cNvPr>
@@ -6227,7 +6873,7 @@
         </p:nvPicPr>
         <p:blipFill>
           <a:blip r:embed="rId3">
-            <a:alphaModFix amt="25000"/>
+            <a:alphaModFix amt="35000"/>
           </a:blip>
           <a:stretch>
             <a:fillRect/>
@@ -6235,8 +6881,8 @@
         </p:blipFill>
         <p:spPr>
           <a:xfrm>
-            <a:off x="3537253" y="1878735"/>
-            <a:ext cx="8524975" cy="3846285"/>
+            <a:off x="5147824" y="1633187"/>
+            <a:ext cx="5743183" cy="5120639"/>
           </a:xfrm>
           <a:prstGeom prst="rect">
             <a:avLst/>
@@ -6245,10 +6891,10 @@
       </p:pic>
       <p:pic>
         <p:nvPicPr>
-          <p:cNvPr id="6" name="Picture 5" descr="A screenshot of a computer program&#10;&#10;Description automatically generated">
+          <p:cNvPr id="7" name="Picture 6" descr="A screen shot of a computer&#10;&#10;Description automatically generated">
             <a:extLst>
               <a:ext uri="{FF2B5EF4-FFF2-40B4-BE49-F238E27FC236}">
-                <a16:creationId xmlns:a16="http://schemas.microsoft.com/office/drawing/2014/main" id="{334EDEE5-2E3C-B7E9-3BEC-1AA200D12AB7}"/>
+                <a16:creationId xmlns:a16="http://schemas.microsoft.com/office/drawing/2014/main" id="{8BE57262-9A06-70AA-2D95-3945A6F6B36A}"/>
               </a:ext>
             </a:extLst>
           </p:cNvPr>
@@ -6259,13 +6905,42 @@
         </p:nvPicPr>
         <p:blipFill rotWithShape="1">
           <a:blip r:embed="rId3"/>
-          <a:srcRect t="67004" b="22429"/>
+          <a:srcRect t="67789" b="26786"/>
           <a:stretch/>
         </p:blipFill>
         <p:spPr>
           <a:xfrm>
-            <a:off x="3537252" y="4455886"/>
-            <a:ext cx="8524975" cy="406400"/>
+            <a:off x="5147824" y="5104435"/>
+            <a:ext cx="5743183" cy="277793"/>
+          </a:xfrm>
+          <a:prstGeom prst="rect">
+            <a:avLst/>
+          </a:prstGeom>
+        </p:spPr>
+      </p:pic>
+      <p:pic>
+        <p:nvPicPr>
+          <p:cNvPr id="10" name="Picture 9" descr="A screen shot of a computer&#10;&#10;Description automatically generated">
+            <a:extLst>
+              <a:ext uri="{FF2B5EF4-FFF2-40B4-BE49-F238E27FC236}">
+                <a16:creationId xmlns:a16="http://schemas.microsoft.com/office/drawing/2014/main" id="{688DDDE4-B07F-60A1-FC23-AD21AA6346AD}"/>
+              </a:ext>
+            </a:extLst>
+          </p:cNvPr>
+          <p:cNvPicPr>
+            <a:picLocks noChangeAspect="1"/>
+          </p:cNvPicPr>
+          <p:nvPr/>
+        </p:nvPicPr>
+        <p:blipFill rotWithShape="1">
+          <a:blip r:embed="rId3"/>
+          <a:srcRect t="93106"/>
+          <a:stretch/>
+        </p:blipFill>
+        <p:spPr>
+          <a:xfrm>
+            <a:off x="5147824" y="6400800"/>
+            <a:ext cx="5743183" cy="353025"/>
           </a:xfrm>
           <a:prstGeom prst="rect">
             <a:avLst/>
@@ -6275,7 +6950,7 @@
     </p:spTree>
     <p:extLst>
       <p:ext uri="{BB962C8B-B14F-4D97-AF65-F5344CB8AC3E}">
-        <p14:creationId xmlns:p14="http://schemas.microsoft.com/office/powerpoint/2010/main" val="2671409374"/>
+        <p14:creationId xmlns:p14="http://schemas.microsoft.com/office/powerpoint/2010/main" val="2776055176"/>
       </p:ext>
     </p:extLst>
   </p:cSld>
@@ -6408,6 +7083,236 @@
           <p:cNvPr id="2" name="Title 1">
             <a:extLst>
               <a:ext uri="{FF2B5EF4-FFF2-40B4-BE49-F238E27FC236}">
+                <a16:creationId xmlns:a16="http://schemas.microsoft.com/office/drawing/2014/main" id="{13469C87-7021-BD44-8605-A47D87C06B6C}"/>
+              </a:ext>
+            </a:extLst>
+          </p:cNvPr>
+          <p:cNvSpPr>
+            <a:spLocks noGrp="1"/>
+          </p:cNvSpPr>
+          <p:nvPr>
+            <p:ph type="title"/>
+          </p:nvPr>
+        </p:nvSpPr>
+        <p:spPr/>
+        <p:txBody>
+          <a:bodyPr/>
+          <a:lstStyle/>
+          <a:p>
+            <a:r>
+              <a:rPr lang="en-US" dirty="0"/>
+              <a:t>Python convention</a:t>
+            </a:r>
+          </a:p>
+        </p:txBody>
+      </p:sp>
+      <p:sp>
+        <p:nvSpPr>
+          <p:cNvPr id="3" name="Content Placeholder 2">
+            <a:extLst>
+              <a:ext uri="{FF2B5EF4-FFF2-40B4-BE49-F238E27FC236}">
+                <a16:creationId xmlns:a16="http://schemas.microsoft.com/office/drawing/2014/main" id="{D639C6A7-6FA2-4D42-8640-981564C45BEB}"/>
+              </a:ext>
+            </a:extLst>
+          </p:cNvPr>
+          <p:cNvSpPr>
+            <a:spLocks noGrp="1"/>
+          </p:cNvSpPr>
+          <p:nvPr>
+            <p:ph idx="1"/>
+          </p:nvPr>
+        </p:nvSpPr>
+        <p:spPr>
+          <a:xfrm>
+            <a:off x="3869268" y="428263"/>
+            <a:ext cx="8322732" cy="5556485"/>
+          </a:xfrm>
+        </p:spPr>
+        <p:txBody>
+          <a:bodyPr anchor="t">
+            <a:noAutofit/>
+          </a:bodyPr>
+          <a:lstStyle/>
+          <a:p>
+            <a:r>
+              <a:rPr lang="en-US" sz="2400" dirty="0"/>
+              <a:t>In our </a:t>
+            </a:r>
+            <a:r>
+              <a:rPr lang="en-US" sz="2400" b="1" dirty="0">
+                <a:solidFill>
+                  <a:srgbClr val="FF9100"/>
+                </a:solidFill>
+                <a:latin typeface="Menlo" panose="020B0609030804020204" pitchFamily="49" charset="0"/>
+                <a:ea typeface="Menlo" panose="020B0609030804020204" pitchFamily="49" charset="0"/>
+                <a:cs typeface="Menlo" panose="020B0609030804020204" pitchFamily="49" charset="0"/>
+              </a:rPr>
+              <a:t>if</a:t>
+            </a:r>
+            <a:r>
+              <a:rPr lang="en-US" sz="2400" b="1" dirty="0"/>
+              <a:t> statement</a:t>
+            </a:r>
+            <a:r>
+              <a:rPr lang="en-US" sz="2400" dirty="0"/>
+              <a:t>, we’re asking whether some variable called </a:t>
+            </a:r>
+            <a:r>
+              <a:rPr lang="en-US" sz="2400" b="1" dirty="0">
+                <a:latin typeface="Menlo" panose="020B0609030804020204" pitchFamily="49" charset="0"/>
+                <a:ea typeface="Menlo" panose="020B0609030804020204" pitchFamily="49" charset="0"/>
+                <a:cs typeface="Menlo" panose="020B0609030804020204" pitchFamily="49" charset="0"/>
+              </a:rPr>
+              <a:t>__name__</a:t>
+            </a:r>
+            <a:r>
+              <a:rPr lang="en-US" sz="2400" b="1" dirty="0">
+                <a:ea typeface="Menlo" panose="020B0609030804020204" pitchFamily="49" charset="0"/>
+                <a:cs typeface="Menlo" panose="020B0609030804020204" pitchFamily="49" charset="0"/>
+              </a:rPr>
+              <a:t> </a:t>
+            </a:r>
+            <a:r>
+              <a:rPr lang="en-US" sz="2400" dirty="0">
+                <a:ea typeface="Menlo" panose="020B0609030804020204" pitchFamily="49" charset="0"/>
+                <a:cs typeface="Menlo" panose="020B0609030804020204" pitchFamily="49" charset="0"/>
+              </a:rPr>
+              <a:t>is equal to the string </a:t>
+            </a:r>
+            <a:r>
+              <a:rPr lang="en-US" sz="2400" b="1" dirty="0">
+                <a:solidFill>
+                  <a:srgbClr val="00B050"/>
+                </a:solidFill>
+                <a:latin typeface="Menlo" panose="020B0609030804020204" pitchFamily="49" charset="0"/>
+                <a:ea typeface="Menlo" panose="020B0609030804020204" pitchFamily="49" charset="0"/>
+                <a:cs typeface="Menlo" panose="020B0609030804020204" pitchFamily="49" charset="0"/>
+              </a:rPr>
+              <a:t>"__main__” </a:t>
+            </a:r>
+            <a:r>
+              <a:rPr lang="en-US" sz="2400" dirty="0"/>
+              <a:t>(not to mention I don’t recall initializing anything called </a:t>
+            </a:r>
+            <a:r>
+              <a:rPr lang="en-US" sz="2400" b="1" dirty="0">
+                <a:latin typeface="Menlo" panose="020B0609030804020204" pitchFamily="49" charset="0"/>
+                <a:ea typeface="Menlo" panose="020B0609030804020204" pitchFamily="49" charset="0"/>
+                <a:cs typeface="Menlo" panose="020B0609030804020204" pitchFamily="49" charset="0"/>
+              </a:rPr>
+              <a:t>__name__</a:t>
+            </a:r>
+            <a:r>
+              <a:rPr lang="en-US" sz="2400" dirty="0">
+                <a:latin typeface="Arial" panose="020B0604020202020204" pitchFamily="34" charset="0"/>
+                <a:ea typeface="Menlo" panose="020B0609030804020204" pitchFamily="49" charset="0"/>
+                <a:cs typeface="Arial" panose="020B0604020202020204" pitchFamily="34" charset="0"/>
+              </a:rPr>
+              <a:t>...)</a:t>
+            </a:r>
+            <a:endParaRPr lang="en-US" sz="2400" dirty="0">
+              <a:latin typeface="Arial" panose="020B0604020202020204" pitchFamily="34" charset="0"/>
+              <a:cs typeface="Arial" panose="020B0604020202020204" pitchFamily="34" charset="0"/>
+            </a:endParaRPr>
+          </a:p>
+        </p:txBody>
+      </p:sp>
+      <p:pic>
+        <p:nvPicPr>
+          <p:cNvPr id="5" name="Picture 4" descr="A screen shot of a computer&#10;&#10;Description automatically generated">
+            <a:extLst>
+              <a:ext uri="{FF2B5EF4-FFF2-40B4-BE49-F238E27FC236}">
+                <a16:creationId xmlns:a16="http://schemas.microsoft.com/office/drawing/2014/main" id="{E9E1E29A-2241-DEC6-6A91-ADDA85B32A54}"/>
+              </a:ext>
+            </a:extLst>
+          </p:cNvPr>
+          <p:cNvPicPr>
+            <a:picLocks noChangeAspect="1"/>
+          </p:cNvPicPr>
+          <p:nvPr/>
+        </p:nvPicPr>
+        <p:blipFill>
+          <a:blip r:embed="rId3">
+            <a:alphaModFix amt="35000"/>
+          </a:blip>
+          <a:stretch>
+            <a:fillRect/>
+          </a:stretch>
+        </p:blipFill>
+        <p:spPr>
+          <a:xfrm>
+            <a:off x="5147824" y="1633187"/>
+            <a:ext cx="5743183" cy="5120639"/>
+          </a:xfrm>
+          <a:prstGeom prst="rect">
+            <a:avLst/>
+          </a:prstGeom>
+        </p:spPr>
+      </p:pic>
+      <p:pic>
+        <p:nvPicPr>
+          <p:cNvPr id="8" name="Picture 7" descr="A screen shot of a computer&#10;&#10;Description automatically generated">
+            <a:extLst>
+              <a:ext uri="{FF2B5EF4-FFF2-40B4-BE49-F238E27FC236}">
+                <a16:creationId xmlns:a16="http://schemas.microsoft.com/office/drawing/2014/main" id="{94425E20-A9AB-C834-9F17-EEF154A489B5}"/>
+              </a:ext>
+            </a:extLst>
+          </p:cNvPr>
+          <p:cNvPicPr>
+            <a:picLocks noChangeAspect="1"/>
+          </p:cNvPicPr>
+          <p:nvPr/>
+        </p:nvPicPr>
+        <p:blipFill rotWithShape="1">
+          <a:blip r:embed="rId3"/>
+          <a:srcRect t="87908" b="6328"/>
+          <a:stretch/>
+        </p:blipFill>
+        <p:spPr>
+          <a:xfrm>
+            <a:off x="5147824" y="6134582"/>
+            <a:ext cx="5743183" cy="295155"/>
+          </a:xfrm>
+          <a:prstGeom prst="rect">
+            <a:avLst/>
+          </a:prstGeom>
+        </p:spPr>
+      </p:pic>
+    </p:spTree>
+    <p:extLst>
+      <p:ext uri="{BB962C8B-B14F-4D97-AF65-F5344CB8AC3E}">
+        <p14:creationId xmlns:p14="http://schemas.microsoft.com/office/powerpoint/2010/main" val="2671409374"/>
+      </p:ext>
+    </p:extLst>
+  </p:cSld>
+  <p:clrMapOvr>
+    <a:masterClrMapping/>
+  </p:clrMapOvr>
+</p:sld>
+</file>
+
+<file path=ppt/slides/slide21.xml><?xml version="1.0" encoding="utf-8"?>
+<p:sld xmlns:a="http://schemas.openxmlformats.org/drawingml/2006/main" xmlns:r="http://schemas.openxmlformats.org/officeDocument/2006/relationships" xmlns:p="http://schemas.openxmlformats.org/presentationml/2006/main">
+  <p:cSld>
+    <p:spTree>
+      <p:nvGrpSpPr>
+        <p:cNvPr id="1" name=""/>
+        <p:cNvGrpSpPr/>
+        <p:nvPr/>
+      </p:nvGrpSpPr>
+      <p:grpSpPr>
+        <a:xfrm>
+          <a:off x="0" y="0"/>
+          <a:ext cx="0" cy="0"/>
+          <a:chOff x="0" y="0"/>
+          <a:chExt cx="0" cy="0"/>
+        </a:xfrm>
+      </p:grpSpPr>
+      <p:sp>
+        <p:nvSpPr>
+          <p:cNvPr id="2" name="Title 1">
+            <a:extLst>
+              <a:ext uri="{FF2B5EF4-FFF2-40B4-BE49-F238E27FC236}">
                 <a16:creationId xmlns:a16="http://schemas.microsoft.com/office/drawing/2014/main" id="{07950D30-D076-A84B-A242-56F85CFA31E8}"/>
               </a:ext>
             </a:extLst>
@@ -6479,7 +7384,7 @@
 </p:sld>
 </file>
 
-<file path=ppt/slides/slide21.xml><?xml version="1.0" encoding="utf-8"?>
+<file path=ppt/slides/slide22.xml><?xml version="1.0" encoding="utf-8"?>
 <p:sld xmlns:a="http://schemas.openxmlformats.org/drawingml/2006/main" xmlns:r="http://schemas.openxmlformats.org/officeDocument/2006/relationships" xmlns:p="http://schemas.openxmlformats.org/presentationml/2006/main">
   <p:cSld>
     <p:spTree>
@@ -6588,348 +7493,6 @@
 </p:sld>
 </file>
 
-<file path=ppt/slides/slide22.xml><?xml version="1.0" encoding="utf-8"?>
-<p:sld xmlns:a="http://schemas.openxmlformats.org/drawingml/2006/main" xmlns:r="http://schemas.openxmlformats.org/officeDocument/2006/relationships" xmlns:p="http://schemas.openxmlformats.org/presentationml/2006/main">
-  <p:cSld>
-    <p:spTree>
-      <p:nvGrpSpPr>
-        <p:cNvPr id="1" name=""/>
-        <p:cNvGrpSpPr/>
-        <p:nvPr/>
-      </p:nvGrpSpPr>
-      <p:grpSpPr>
-        <a:xfrm>
-          <a:off x="0" y="0"/>
-          <a:ext cx="0" cy="0"/>
-          <a:chOff x="0" y="0"/>
-          <a:chExt cx="0" cy="0"/>
-        </a:xfrm>
-      </p:grpSpPr>
-      <p:sp>
-        <p:nvSpPr>
-          <p:cNvPr id="2" name="Title 1">
-            <a:extLst>
-              <a:ext uri="{FF2B5EF4-FFF2-40B4-BE49-F238E27FC236}">
-                <a16:creationId xmlns:a16="http://schemas.microsoft.com/office/drawing/2014/main" id="{6C39A351-FAA0-8F4E-961D-7637E9D0A634}"/>
-              </a:ext>
-            </a:extLst>
-          </p:cNvPr>
-          <p:cNvSpPr>
-            <a:spLocks noGrp="1"/>
-          </p:cNvSpPr>
-          <p:nvPr>
-            <p:ph type="title"/>
-          </p:nvPr>
-        </p:nvSpPr>
-        <p:spPr/>
-        <p:txBody>
-          <a:bodyPr/>
-          <a:lstStyle/>
-          <a:p>
-            <a:r>
-              <a:rPr lang="en-US" dirty="0"/>
-              <a:t>15-minute exercise</a:t>
-            </a:r>
-          </a:p>
-        </p:txBody>
-      </p:sp>
-      <p:sp>
-        <p:nvSpPr>
-          <p:cNvPr id="3" name="Content Placeholder 2">
-            <a:extLst>
-              <a:ext uri="{FF2B5EF4-FFF2-40B4-BE49-F238E27FC236}">
-                <a16:creationId xmlns:a16="http://schemas.microsoft.com/office/drawing/2014/main" id="{D04E6A67-F4C5-9047-A760-846667004ADD}"/>
-              </a:ext>
-            </a:extLst>
-          </p:cNvPr>
-          <p:cNvSpPr>
-            <a:spLocks noGrp="1"/>
-          </p:cNvSpPr>
-          <p:nvPr>
-            <p:ph idx="1"/>
-          </p:nvPr>
-        </p:nvSpPr>
-        <p:spPr/>
-        <p:txBody>
-          <a:bodyPr anchor="t">
-            <a:normAutofit/>
-          </a:bodyPr>
-          <a:lstStyle/>
-          <a:p>
-            <a:r>
-              <a:rPr lang="en-US" sz="2400" dirty="0"/>
-              <a:t>Write a program that contains a </a:t>
-            </a:r>
-            <a:r>
-              <a:rPr lang="en-US" sz="2400" b="1" dirty="0">
-                <a:solidFill>
-                  <a:srgbClr val="3117FF"/>
-                </a:solidFill>
-                <a:latin typeface="Menlo" panose="020B0609030804020204" pitchFamily="49" charset="0"/>
-                <a:ea typeface="Menlo" panose="020B0609030804020204" pitchFamily="49" charset="0"/>
-                <a:cs typeface="Menlo" panose="020B0609030804020204" pitchFamily="49" charset="0"/>
-              </a:rPr>
-              <a:t>main</a:t>
-            </a:r>
-            <a:r>
-              <a:rPr lang="en-US" sz="2400" b="1" dirty="0">
-                <a:latin typeface="Menlo" panose="020B0609030804020204" pitchFamily="49" charset="0"/>
-                <a:ea typeface="Menlo" panose="020B0609030804020204" pitchFamily="49" charset="0"/>
-                <a:cs typeface="Menlo" panose="020B0609030804020204" pitchFamily="49" charset="0"/>
-              </a:rPr>
-              <a:t>()</a:t>
-            </a:r>
-            <a:r>
-              <a:rPr lang="en-US" sz="2400" dirty="0"/>
-              <a:t> function, which contains instructions for printing out the phrase:</a:t>
-            </a:r>
-          </a:p>
-          <a:p>
-            <a:pPr marL="0" indent="0" algn="ctr">
-              <a:buNone/>
-            </a:pPr>
-            <a:r>
-              <a:rPr lang="en-US" sz="2400" dirty="0">
-                <a:solidFill>
-                  <a:srgbClr val="00B050"/>
-                </a:solidFill>
-                <a:latin typeface="Menlo" panose="020B0609030804020204" pitchFamily="49" charset="0"/>
-                <a:ea typeface="Menlo" panose="020B0609030804020204" pitchFamily="49" charset="0"/>
-                <a:cs typeface="Menlo" panose="020B0609030804020204" pitchFamily="49" charset="0"/>
-              </a:rPr>
-              <a:t> </a:t>
-            </a:r>
-            <a:r>
-              <a:rPr lang="en-US" sz="2400" b="1" dirty="0">
-                <a:solidFill>
-                  <a:srgbClr val="00B050"/>
-                </a:solidFill>
-                <a:latin typeface="Menlo" panose="020B0609030804020204" pitchFamily="49" charset="0"/>
-                <a:ea typeface="Menlo" panose="020B0609030804020204" pitchFamily="49" charset="0"/>
-                <a:cs typeface="Menlo" panose="020B0609030804020204" pitchFamily="49" charset="0"/>
-              </a:rPr>
-              <a:t>"</a:t>
-            </a:r>
-            <a:r>
-              <a:rPr lang="en-US" sz="2400" dirty="0">
-                <a:solidFill>
-                  <a:srgbClr val="00B050"/>
-                </a:solidFill>
-                <a:latin typeface="Menlo" panose="020B0609030804020204" pitchFamily="49" charset="0"/>
-                <a:ea typeface="Menlo" panose="020B0609030804020204" pitchFamily="49" charset="0"/>
-                <a:cs typeface="Menlo" panose="020B0609030804020204" pitchFamily="49" charset="0"/>
-              </a:rPr>
-              <a:t>Today is not Friday :-(</a:t>
-            </a:r>
-            <a:r>
-              <a:rPr lang="en-US" sz="2400" b="1" dirty="0">
-                <a:solidFill>
-                  <a:srgbClr val="00B050"/>
-                </a:solidFill>
-                <a:latin typeface="Menlo" panose="020B0609030804020204" pitchFamily="49" charset="0"/>
-                <a:ea typeface="Menlo" panose="020B0609030804020204" pitchFamily="49" charset="0"/>
-                <a:cs typeface="Menlo" panose="020B0609030804020204" pitchFamily="49" charset="0"/>
-              </a:rPr>
-              <a:t>"</a:t>
-            </a:r>
-          </a:p>
-          <a:p>
-            <a:r>
-              <a:rPr lang="en-US" sz="2400" dirty="0">
-                <a:solidFill>
-                  <a:srgbClr val="002060"/>
-                </a:solidFill>
-                <a:ea typeface="Menlo" panose="020B0609030804020204" pitchFamily="49" charset="0"/>
-                <a:cs typeface="Menlo" panose="020B0609030804020204" pitchFamily="49" charset="0"/>
-              </a:rPr>
-              <a:t>Use an </a:t>
-            </a:r>
-            <a:r>
-              <a:rPr lang="en-US" sz="2400" b="1" dirty="0">
-                <a:solidFill>
-                  <a:srgbClr val="FF9100"/>
-                </a:solidFill>
-                <a:latin typeface="Menlo" panose="020B0609030804020204" pitchFamily="49" charset="0"/>
-                <a:ea typeface="Menlo" panose="020B0609030804020204" pitchFamily="49" charset="0"/>
-                <a:cs typeface="Menlo" panose="020B0609030804020204" pitchFamily="49" charset="0"/>
-              </a:rPr>
-              <a:t>if</a:t>
-            </a:r>
-            <a:r>
-              <a:rPr lang="en-US" sz="2400" dirty="0">
-                <a:solidFill>
-                  <a:srgbClr val="002060"/>
-                </a:solidFill>
-                <a:ea typeface="Menlo" panose="020B0609030804020204" pitchFamily="49" charset="0"/>
-                <a:cs typeface="Menlo" panose="020B0609030804020204" pitchFamily="49" charset="0"/>
-              </a:rPr>
-              <a:t> statement combined with checking the value of the </a:t>
-            </a:r>
-            <a:r>
-              <a:rPr lang="en-US" sz="2400" b="1" dirty="0">
-                <a:solidFill>
-                  <a:srgbClr val="002060"/>
-                </a:solidFill>
-                <a:latin typeface="Menlo" panose="020B0609030804020204" pitchFamily="49" charset="0"/>
-                <a:ea typeface="Menlo" panose="020B0609030804020204" pitchFamily="49" charset="0"/>
-                <a:cs typeface="Menlo" panose="020B0609030804020204" pitchFamily="49" charset="0"/>
-              </a:rPr>
-              <a:t>__name__</a:t>
-            </a:r>
-            <a:r>
-              <a:rPr lang="en-US" sz="2400" dirty="0">
-                <a:solidFill>
-                  <a:srgbClr val="002060"/>
-                </a:solidFill>
-                <a:ea typeface="Menlo" panose="020B0609030804020204" pitchFamily="49" charset="0"/>
-                <a:cs typeface="Menlo" panose="020B0609030804020204" pitchFamily="49" charset="0"/>
-              </a:rPr>
-              <a:t> variable to call </a:t>
-            </a:r>
-            <a:r>
-              <a:rPr lang="en-US" sz="2400" b="1" dirty="0">
-                <a:solidFill>
-                  <a:srgbClr val="3117FF"/>
-                </a:solidFill>
-                <a:latin typeface="Menlo" panose="020B0609030804020204" pitchFamily="49" charset="0"/>
-                <a:ea typeface="Menlo" panose="020B0609030804020204" pitchFamily="49" charset="0"/>
-                <a:cs typeface="Menlo" panose="020B0609030804020204" pitchFamily="49" charset="0"/>
-              </a:rPr>
-              <a:t>main</a:t>
-            </a:r>
-            <a:r>
-              <a:rPr lang="en-US" sz="2400" b="1" dirty="0">
-                <a:latin typeface="Menlo" panose="020B0609030804020204" pitchFamily="49" charset="0"/>
-                <a:ea typeface="Menlo" panose="020B0609030804020204" pitchFamily="49" charset="0"/>
-                <a:cs typeface="Menlo" panose="020B0609030804020204" pitchFamily="49" charset="0"/>
-              </a:rPr>
-              <a:t>()</a:t>
-            </a:r>
-            <a:r>
-              <a:rPr lang="en-US" sz="2400" dirty="0">
-                <a:solidFill>
-                  <a:srgbClr val="002060"/>
-                </a:solidFill>
-                <a:ea typeface="Menlo" panose="020B0609030804020204" pitchFamily="49" charset="0"/>
-                <a:cs typeface="Menlo" panose="020B0609030804020204" pitchFamily="49" charset="0"/>
-              </a:rPr>
-              <a:t> only when the program is run directly</a:t>
-            </a:r>
-          </a:p>
-          <a:p>
-            <a:r>
-              <a:rPr lang="en-US" sz="2400" dirty="0">
-                <a:solidFill>
-                  <a:srgbClr val="002060"/>
-                </a:solidFill>
-                <a:ea typeface="Menlo" panose="020B0609030804020204" pitchFamily="49" charset="0"/>
-                <a:cs typeface="Menlo" panose="020B0609030804020204" pitchFamily="49" charset="0"/>
-              </a:rPr>
-              <a:t>Add an </a:t>
-            </a:r>
-            <a:r>
-              <a:rPr lang="en-US" sz="2400" b="1" dirty="0">
-                <a:solidFill>
-                  <a:srgbClr val="FF9100"/>
-                </a:solidFill>
-                <a:latin typeface="Menlo" panose="020B0609030804020204" pitchFamily="49" charset="0"/>
-                <a:ea typeface="Menlo" panose="020B0609030804020204" pitchFamily="49" charset="0"/>
-                <a:cs typeface="Menlo" panose="020B0609030804020204" pitchFamily="49" charset="0"/>
-              </a:rPr>
-              <a:t>else</a:t>
-            </a:r>
-            <a:r>
-              <a:rPr lang="en-US" sz="2400" dirty="0">
-                <a:solidFill>
-                  <a:srgbClr val="002060"/>
-                </a:solidFill>
-                <a:ea typeface="Menlo" panose="020B0609030804020204" pitchFamily="49" charset="0"/>
-                <a:cs typeface="Menlo" panose="020B0609030804020204" pitchFamily="49" charset="0"/>
-              </a:rPr>
-              <a:t> statement so that whenever the program (“module”) is </a:t>
-            </a:r>
-            <a:r>
-              <a:rPr lang="en-US" sz="2400" b="1" dirty="0">
-                <a:solidFill>
-                  <a:srgbClr val="FF9100"/>
-                </a:solidFill>
-                <a:latin typeface="Menlo" panose="020B0609030804020204" pitchFamily="49" charset="0"/>
-                <a:ea typeface="Menlo" panose="020B0609030804020204" pitchFamily="49" charset="0"/>
-                <a:cs typeface="Menlo" panose="020B0609030804020204" pitchFamily="49" charset="0"/>
-              </a:rPr>
-              <a:t>import</a:t>
-            </a:r>
-            <a:r>
-              <a:rPr lang="en-US" sz="2400" dirty="0">
-                <a:solidFill>
-                  <a:srgbClr val="002060"/>
-                </a:solidFill>
-                <a:ea typeface="Menlo" panose="020B0609030804020204" pitchFamily="49" charset="0"/>
-                <a:cs typeface="Menlo" panose="020B0609030804020204" pitchFamily="49" charset="0"/>
-              </a:rPr>
-              <a:t>ed, it prints out the phrase:</a:t>
-            </a:r>
-          </a:p>
-          <a:p>
-            <a:pPr marL="0" indent="0" algn="ctr">
-              <a:buNone/>
-            </a:pPr>
-            <a:r>
-              <a:rPr lang="en-US" sz="2400" b="1" dirty="0">
-                <a:solidFill>
-                  <a:srgbClr val="00B050"/>
-                </a:solidFill>
-                <a:latin typeface="Menlo" panose="020B0609030804020204" pitchFamily="49" charset="0"/>
-                <a:ea typeface="Menlo" panose="020B0609030804020204" pitchFamily="49" charset="0"/>
-                <a:cs typeface="Menlo" panose="020B0609030804020204" pitchFamily="49" charset="0"/>
-              </a:rPr>
-              <a:t>"</a:t>
-            </a:r>
-            <a:r>
-              <a:rPr lang="en-US" sz="2400" dirty="0">
-                <a:solidFill>
-                  <a:srgbClr val="00B050"/>
-                </a:solidFill>
-                <a:latin typeface="Menlo" panose="020B0609030804020204" pitchFamily="49" charset="0"/>
-                <a:ea typeface="Menlo" panose="020B0609030804020204" pitchFamily="49" charset="0"/>
-                <a:cs typeface="Menlo" panose="020B0609030804020204" pitchFamily="49" charset="0"/>
-              </a:rPr>
-              <a:t>Maybe today...?</a:t>
-            </a:r>
-            <a:r>
-              <a:rPr lang="en-US" sz="2400" b="1" dirty="0">
-                <a:solidFill>
-                  <a:srgbClr val="00B050"/>
-                </a:solidFill>
-                <a:latin typeface="Menlo" panose="020B0609030804020204" pitchFamily="49" charset="0"/>
-                <a:ea typeface="Menlo" panose="020B0609030804020204" pitchFamily="49" charset="0"/>
-                <a:cs typeface="Menlo" panose="020B0609030804020204" pitchFamily="49" charset="0"/>
-              </a:rPr>
-              <a:t>"</a:t>
-            </a:r>
-            <a:endParaRPr lang="en-US" sz="2400" dirty="0">
-              <a:solidFill>
-                <a:srgbClr val="002060"/>
-              </a:solidFill>
-              <a:ea typeface="Menlo" panose="020B0609030804020204" pitchFamily="49" charset="0"/>
-              <a:cs typeface="Menlo" panose="020B0609030804020204" pitchFamily="49" charset="0"/>
-            </a:endParaRPr>
-          </a:p>
-        </p:txBody>
-      </p:sp>
-    </p:spTree>
-    <p:extLst>
-      <p:ext uri="{BB962C8B-B14F-4D97-AF65-F5344CB8AC3E}">
-        <p14:creationId xmlns:p14="http://schemas.microsoft.com/office/powerpoint/2010/main" val="4013381769"/>
-      </p:ext>
-    </p:extLst>
-  </p:cSld>
-  <p:clrMapOvr>
-    <a:masterClrMapping/>
-  </p:clrMapOvr>
-</p:sld>
-</file>
-
 <file path=ppt/slides/slide23.xml><?xml version="1.0" encoding="utf-8"?>
 <p:sld xmlns:a="http://schemas.openxmlformats.org/drawingml/2006/main" xmlns:r="http://schemas.openxmlformats.org/officeDocument/2006/relationships" xmlns:p="http://schemas.openxmlformats.org/presentationml/2006/main">
   <p:cSld>
@@ -6949,7 +7512,13 @@
       </p:grpSpPr>
       <p:sp>
         <p:nvSpPr>
-          <p:cNvPr id="2" name="Title 1"/>
+          <p:cNvPr id="2" name="Title 1">
+            <a:extLst>
+              <a:ext uri="{FF2B5EF4-FFF2-40B4-BE49-F238E27FC236}">
+                <a16:creationId xmlns:a16="http://schemas.microsoft.com/office/drawing/2014/main" id="{6C39A351-FAA0-8F4E-961D-7637E9D0A634}"/>
+              </a:ext>
+            </a:extLst>
+          </p:cNvPr>
           <p:cNvSpPr>
             <a:spLocks noGrp="1"/>
           </p:cNvSpPr>
@@ -6964,14 +7533,20 @@
           <a:p>
             <a:r>
               <a:rPr lang="en-US" dirty="0"/>
-              <a:t>Discussion</a:t>
-            </a:r>
-          </a:p>
-        </p:txBody>
-      </p:sp>
-      <p:sp>
-        <p:nvSpPr>
-          <p:cNvPr id="3" name="Content Placeholder 2"/>
+              <a:t>15-minute exercise</a:t>
+            </a:r>
+          </a:p>
+        </p:txBody>
+      </p:sp>
+      <p:sp>
+        <p:nvSpPr>
+          <p:cNvPr id="3" name="Content Placeholder 2">
+            <a:extLst>
+              <a:ext uri="{FF2B5EF4-FFF2-40B4-BE49-F238E27FC236}">
+                <a16:creationId xmlns:a16="http://schemas.microsoft.com/office/drawing/2014/main" id="{D04E6A67-F4C5-9047-A760-846667004ADD}"/>
+              </a:ext>
+            </a:extLst>
+          </p:cNvPr>
           <p:cNvSpPr>
             <a:spLocks noGrp="1"/>
           </p:cNvSpPr>
@@ -6979,47 +7554,270 @@
             <p:ph idx="1"/>
           </p:nvPr>
         </p:nvSpPr>
-        <p:spPr>
-          <a:xfrm>
-            <a:off x="4986868" y="2678394"/>
-            <a:ext cx="5122333" cy="1196921"/>
-          </a:xfrm>
-          <a:prstGeom prst="roundRect">
-            <a:avLst/>
-          </a:prstGeom>
-        </p:spPr>
-        <p:style>
-          <a:lnRef idx="2">
-            <a:schemeClr val="accent2">
-              <a:shade val="15000"/>
-            </a:schemeClr>
-          </a:lnRef>
-          <a:fillRef idx="1">
-            <a:schemeClr val="accent2"/>
-          </a:fillRef>
-          <a:effectRef idx="0">
-            <a:schemeClr val="accent2"/>
-          </a:effectRef>
-          <a:fontRef idx="minor">
-            <a:schemeClr val="lt1"/>
-          </a:fontRef>
-        </p:style>
-        <p:txBody>
-          <a:bodyPr anchor="ctr">
+        <p:spPr/>
+        <p:txBody>
+          <a:bodyPr anchor="t">
             <a:normAutofit/>
           </a:bodyPr>
           <a:lstStyle/>
+          <a:p>
+            <a:r>
+              <a:rPr lang="en-US" sz="2400" dirty="0"/>
+              <a:t>Write a program that contains a </a:t>
+            </a:r>
+            <a:r>
+              <a:rPr lang="en-US" sz="2400" b="1" dirty="0">
+                <a:solidFill>
+                  <a:srgbClr val="3117FF"/>
+                </a:solidFill>
+                <a:latin typeface="Menlo" panose="020B0609030804020204" pitchFamily="49" charset="0"/>
+                <a:ea typeface="Menlo" panose="020B0609030804020204" pitchFamily="49" charset="0"/>
+                <a:cs typeface="Menlo" panose="020B0609030804020204" pitchFamily="49" charset="0"/>
+              </a:rPr>
+              <a:t>main</a:t>
+            </a:r>
+            <a:r>
+              <a:rPr lang="en-US" sz="2400" b="1" dirty="0">
+                <a:latin typeface="Menlo" panose="020B0609030804020204" pitchFamily="49" charset="0"/>
+                <a:ea typeface="Menlo" panose="020B0609030804020204" pitchFamily="49" charset="0"/>
+                <a:cs typeface="Menlo" panose="020B0609030804020204" pitchFamily="49" charset="0"/>
+              </a:rPr>
+              <a:t>()</a:t>
+            </a:r>
+            <a:r>
+              <a:rPr lang="en-US" sz="2400" dirty="0"/>
+              <a:t> function, which contains instructions for printing out the phrase:</a:t>
+            </a:r>
+          </a:p>
           <a:p>
             <a:pPr marL="0" indent="0" algn="ctr">
               <a:buNone/>
             </a:pPr>
             <a:r>
-              <a:rPr lang="en-US" sz="3200" dirty="0"/>
-              <a:t>What did you come up with?</a:t>
-            </a:r>
-            <a:endParaRPr lang="en-US" sz="3200" dirty="0">
-              <a:ea typeface="Courier" charset="0"/>
-              <a:cs typeface="Courier" charset="0"/>
+              <a:rPr lang="en-US" sz="2400" dirty="0">
+                <a:solidFill>
+                  <a:srgbClr val="00B050"/>
+                </a:solidFill>
+                <a:latin typeface="Menlo" panose="020B0609030804020204" pitchFamily="49" charset="0"/>
+                <a:ea typeface="Menlo" panose="020B0609030804020204" pitchFamily="49" charset="0"/>
+                <a:cs typeface="Menlo" panose="020B0609030804020204" pitchFamily="49" charset="0"/>
+              </a:rPr>
+              <a:t> </a:t>
+            </a:r>
+            <a:r>
+              <a:rPr lang="en-US" sz="2400" b="1" dirty="0">
+                <a:solidFill>
+                  <a:srgbClr val="00B050"/>
+                </a:solidFill>
+                <a:latin typeface="Menlo" panose="020B0609030804020204" pitchFamily="49" charset="0"/>
+                <a:ea typeface="Menlo" panose="020B0609030804020204" pitchFamily="49" charset="0"/>
+                <a:cs typeface="Menlo" panose="020B0609030804020204" pitchFamily="49" charset="0"/>
+              </a:rPr>
+              <a:t>"</a:t>
+            </a:r>
+            <a:r>
+              <a:rPr lang="en-US" sz="2400" dirty="0">
+                <a:solidFill>
+                  <a:srgbClr val="00B050"/>
+                </a:solidFill>
+                <a:latin typeface="Menlo" panose="020B0609030804020204" pitchFamily="49" charset="0"/>
+                <a:ea typeface="Menlo" panose="020B0609030804020204" pitchFamily="49" charset="0"/>
+                <a:cs typeface="Menlo" panose="020B0609030804020204" pitchFamily="49" charset="0"/>
+              </a:rPr>
+              <a:t>Today is not Friday :-(</a:t>
+            </a:r>
+            <a:r>
+              <a:rPr lang="en-US" sz="2400" b="1" dirty="0">
+                <a:solidFill>
+                  <a:srgbClr val="00B050"/>
+                </a:solidFill>
+                <a:latin typeface="Menlo" panose="020B0609030804020204" pitchFamily="49" charset="0"/>
+                <a:ea typeface="Menlo" panose="020B0609030804020204" pitchFamily="49" charset="0"/>
+                <a:cs typeface="Menlo" panose="020B0609030804020204" pitchFamily="49" charset="0"/>
+              </a:rPr>
+              <a:t>"</a:t>
+            </a:r>
+          </a:p>
+          <a:p>
+            <a:r>
+              <a:rPr lang="en-US" sz="2400" dirty="0">
+                <a:solidFill>
+                  <a:srgbClr val="002060"/>
+                </a:solidFill>
+                <a:ea typeface="Menlo" panose="020B0609030804020204" pitchFamily="49" charset="0"/>
+                <a:cs typeface="Menlo" panose="020B0609030804020204" pitchFamily="49" charset="0"/>
+              </a:rPr>
+              <a:t>Use an </a:t>
+            </a:r>
+            <a:r>
+              <a:rPr lang="en-US" sz="2400" b="1" dirty="0">
+                <a:solidFill>
+                  <a:srgbClr val="FF9100"/>
+                </a:solidFill>
+                <a:latin typeface="Menlo" panose="020B0609030804020204" pitchFamily="49" charset="0"/>
+                <a:ea typeface="Menlo" panose="020B0609030804020204" pitchFamily="49" charset="0"/>
+                <a:cs typeface="Menlo" panose="020B0609030804020204" pitchFamily="49" charset="0"/>
+              </a:rPr>
+              <a:t>if</a:t>
+            </a:r>
+            <a:r>
+              <a:rPr lang="en-US" sz="2400" dirty="0">
+                <a:solidFill>
+                  <a:srgbClr val="002060"/>
+                </a:solidFill>
+                <a:ea typeface="Menlo" panose="020B0609030804020204" pitchFamily="49" charset="0"/>
+                <a:cs typeface="Menlo" panose="020B0609030804020204" pitchFamily="49" charset="0"/>
+              </a:rPr>
+              <a:t> statement combined with checking the value of the </a:t>
+            </a:r>
+            <a:r>
+              <a:rPr lang="en-US" sz="2400" b="1" dirty="0">
+                <a:solidFill>
+                  <a:srgbClr val="002060"/>
+                </a:solidFill>
+                <a:latin typeface="Menlo" panose="020B0609030804020204" pitchFamily="49" charset="0"/>
+                <a:ea typeface="Menlo" panose="020B0609030804020204" pitchFamily="49" charset="0"/>
+                <a:cs typeface="Menlo" panose="020B0609030804020204" pitchFamily="49" charset="0"/>
+              </a:rPr>
+              <a:t>__name__</a:t>
+            </a:r>
+            <a:r>
+              <a:rPr lang="en-US" sz="2400" dirty="0">
+                <a:solidFill>
+                  <a:srgbClr val="002060"/>
+                </a:solidFill>
+                <a:ea typeface="Menlo" panose="020B0609030804020204" pitchFamily="49" charset="0"/>
+                <a:cs typeface="Menlo" panose="020B0609030804020204" pitchFamily="49" charset="0"/>
+              </a:rPr>
+              <a:t> variable to call </a:t>
+            </a:r>
+            <a:r>
+              <a:rPr lang="en-US" sz="2400" b="1" dirty="0">
+                <a:solidFill>
+                  <a:srgbClr val="3117FF"/>
+                </a:solidFill>
+                <a:latin typeface="Menlo" panose="020B0609030804020204" pitchFamily="49" charset="0"/>
+                <a:ea typeface="Menlo" panose="020B0609030804020204" pitchFamily="49" charset="0"/>
+                <a:cs typeface="Menlo" panose="020B0609030804020204" pitchFamily="49" charset="0"/>
+              </a:rPr>
+              <a:t>main</a:t>
+            </a:r>
+            <a:r>
+              <a:rPr lang="en-US" sz="2400" b="1" dirty="0">
+                <a:latin typeface="Menlo" panose="020B0609030804020204" pitchFamily="49" charset="0"/>
+                <a:ea typeface="Menlo" panose="020B0609030804020204" pitchFamily="49" charset="0"/>
+                <a:cs typeface="Menlo" panose="020B0609030804020204" pitchFamily="49" charset="0"/>
+              </a:rPr>
+              <a:t>()</a:t>
+            </a:r>
+            <a:r>
+              <a:rPr lang="en-US" sz="2400" dirty="0">
+                <a:solidFill>
+                  <a:srgbClr val="002060"/>
+                </a:solidFill>
+                <a:ea typeface="Menlo" panose="020B0609030804020204" pitchFamily="49" charset="0"/>
+                <a:cs typeface="Menlo" panose="020B0609030804020204" pitchFamily="49" charset="0"/>
+              </a:rPr>
+              <a:t> only when the program is run directly</a:t>
+            </a:r>
+          </a:p>
+          <a:p>
+            <a:r>
+              <a:rPr lang="en-US" sz="2400" dirty="0">
+                <a:solidFill>
+                  <a:srgbClr val="002060"/>
+                </a:solidFill>
+                <a:ea typeface="Menlo" panose="020B0609030804020204" pitchFamily="49" charset="0"/>
+                <a:cs typeface="Menlo" panose="020B0609030804020204" pitchFamily="49" charset="0"/>
+              </a:rPr>
+              <a:t>Add an </a:t>
+            </a:r>
+            <a:r>
+              <a:rPr lang="en-US" sz="2400" b="1" dirty="0">
+                <a:solidFill>
+                  <a:srgbClr val="FF9100"/>
+                </a:solidFill>
+                <a:latin typeface="Menlo" panose="020B0609030804020204" pitchFamily="49" charset="0"/>
+                <a:ea typeface="Menlo" panose="020B0609030804020204" pitchFamily="49" charset="0"/>
+                <a:cs typeface="Menlo" panose="020B0609030804020204" pitchFamily="49" charset="0"/>
+              </a:rPr>
+              <a:t>else</a:t>
+            </a:r>
+            <a:r>
+              <a:rPr lang="en-US" sz="2400" dirty="0">
+                <a:solidFill>
+                  <a:srgbClr val="002060"/>
+                </a:solidFill>
+                <a:ea typeface="Menlo" panose="020B0609030804020204" pitchFamily="49" charset="0"/>
+                <a:cs typeface="Menlo" panose="020B0609030804020204" pitchFamily="49" charset="0"/>
+              </a:rPr>
+              <a:t> statement so that whenever the program (“module”) is </a:t>
+            </a:r>
+            <a:r>
+              <a:rPr lang="en-US" sz="2400" b="1" dirty="0">
+                <a:solidFill>
+                  <a:srgbClr val="FF9100"/>
+                </a:solidFill>
+                <a:latin typeface="Menlo" panose="020B0609030804020204" pitchFamily="49" charset="0"/>
+                <a:ea typeface="Menlo" panose="020B0609030804020204" pitchFamily="49" charset="0"/>
+                <a:cs typeface="Menlo" panose="020B0609030804020204" pitchFamily="49" charset="0"/>
+              </a:rPr>
+              <a:t>import</a:t>
+            </a:r>
+            <a:r>
+              <a:rPr lang="en-US" sz="2400" dirty="0">
+                <a:solidFill>
+                  <a:srgbClr val="002060"/>
+                </a:solidFill>
+                <a:ea typeface="Menlo" panose="020B0609030804020204" pitchFamily="49" charset="0"/>
+                <a:cs typeface="Menlo" panose="020B0609030804020204" pitchFamily="49" charset="0"/>
+              </a:rPr>
+              <a:t>ed, it prints out the phrase:</a:t>
+            </a:r>
+          </a:p>
+          <a:p>
+            <a:pPr marL="0" indent="0" algn="ctr">
+              <a:buNone/>
+            </a:pPr>
+            <a:r>
+              <a:rPr lang="en-US" sz="2400" b="1" dirty="0">
+                <a:solidFill>
+                  <a:srgbClr val="00B050"/>
+                </a:solidFill>
+                <a:latin typeface="Menlo" panose="020B0609030804020204" pitchFamily="49" charset="0"/>
+                <a:ea typeface="Menlo" panose="020B0609030804020204" pitchFamily="49" charset="0"/>
+                <a:cs typeface="Menlo" panose="020B0609030804020204" pitchFamily="49" charset="0"/>
+              </a:rPr>
+              <a:t>"</a:t>
+            </a:r>
+            <a:r>
+              <a:rPr lang="en-US" sz="2400" dirty="0">
+                <a:solidFill>
+                  <a:srgbClr val="00B050"/>
+                </a:solidFill>
+                <a:latin typeface="Menlo" panose="020B0609030804020204" pitchFamily="49" charset="0"/>
+                <a:ea typeface="Menlo" panose="020B0609030804020204" pitchFamily="49" charset="0"/>
+                <a:cs typeface="Menlo" panose="020B0609030804020204" pitchFamily="49" charset="0"/>
+              </a:rPr>
+              <a:t>Maybe today...?</a:t>
+            </a:r>
+            <a:r>
+              <a:rPr lang="en-US" sz="2400" b="1" dirty="0">
+                <a:solidFill>
+                  <a:srgbClr val="00B050"/>
+                </a:solidFill>
+                <a:latin typeface="Menlo" panose="020B0609030804020204" pitchFamily="49" charset="0"/>
+                <a:ea typeface="Menlo" panose="020B0609030804020204" pitchFamily="49" charset="0"/>
+                <a:cs typeface="Menlo" panose="020B0609030804020204" pitchFamily="49" charset="0"/>
+              </a:rPr>
+              <a:t>"</a:t>
+            </a:r>
+            <a:endParaRPr lang="en-US" sz="2400" dirty="0">
+              <a:solidFill>
+                <a:srgbClr val="002060"/>
+              </a:solidFill>
+              <a:ea typeface="Menlo" panose="020B0609030804020204" pitchFamily="49" charset="0"/>
+              <a:cs typeface="Menlo" panose="020B0609030804020204" pitchFamily="49" charset="0"/>
             </a:endParaRPr>
           </a:p>
         </p:txBody>
@@ -7027,7 +7825,7 @@
     </p:spTree>
     <p:extLst>
       <p:ext uri="{BB962C8B-B14F-4D97-AF65-F5344CB8AC3E}">
-        <p14:creationId xmlns:p14="http://schemas.microsoft.com/office/powerpoint/2010/main" val="1243333815"/>
+        <p14:creationId xmlns:p14="http://schemas.microsoft.com/office/powerpoint/2010/main" val="4013381769"/>
       </p:ext>
     </p:extLst>
   </p:cSld>
@@ -7056,6 +7854,113 @@
       </p:grpSpPr>
       <p:sp>
         <p:nvSpPr>
+          <p:cNvPr id="2" name="Title 1"/>
+          <p:cNvSpPr>
+            <a:spLocks noGrp="1"/>
+          </p:cNvSpPr>
+          <p:nvPr>
+            <p:ph type="title"/>
+          </p:nvPr>
+        </p:nvSpPr>
+        <p:spPr/>
+        <p:txBody>
+          <a:bodyPr/>
+          <a:lstStyle/>
+          <a:p>
+            <a:r>
+              <a:rPr lang="en-US" dirty="0"/>
+              <a:t>Discussion</a:t>
+            </a:r>
+          </a:p>
+        </p:txBody>
+      </p:sp>
+      <p:sp>
+        <p:nvSpPr>
+          <p:cNvPr id="3" name="Content Placeholder 2"/>
+          <p:cNvSpPr>
+            <a:spLocks noGrp="1"/>
+          </p:cNvSpPr>
+          <p:nvPr>
+            <p:ph idx="1"/>
+          </p:nvPr>
+        </p:nvSpPr>
+        <p:spPr>
+          <a:xfrm>
+            <a:off x="4986868" y="2678394"/>
+            <a:ext cx="5122333" cy="1196921"/>
+          </a:xfrm>
+          <a:prstGeom prst="roundRect">
+            <a:avLst/>
+          </a:prstGeom>
+        </p:spPr>
+        <p:style>
+          <a:lnRef idx="2">
+            <a:schemeClr val="accent2">
+              <a:shade val="15000"/>
+            </a:schemeClr>
+          </a:lnRef>
+          <a:fillRef idx="1">
+            <a:schemeClr val="accent2"/>
+          </a:fillRef>
+          <a:effectRef idx="0">
+            <a:schemeClr val="accent2"/>
+          </a:effectRef>
+          <a:fontRef idx="minor">
+            <a:schemeClr val="lt1"/>
+          </a:fontRef>
+        </p:style>
+        <p:txBody>
+          <a:bodyPr anchor="ctr">
+            <a:normAutofit/>
+          </a:bodyPr>
+          <a:lstStyle/>
+          <a:p>
+            <a:pPr marL="0" indent="0" algn="ctr">
+              <a:buNone/>
+            </a:pPr>
+            <a:r>
+              <a:rPr lang="en-US" sz="3200" dirty="0"/>
+              <a:t>What did you come up with?</a:t>
+            </a:r>
+            <a:endParaRPr lang="en-US" sz="3200" dirty="0">
+              <a:ea typeface="Courier" charset="0"/>
+              <a:cs typeface="Courier" charset="0"/>
+            </a:endParaRPr>
+          </a:p>
+        </p:txBody>
+      </p:sp>
+    </p:spTree>
+    <p:extLst>
+      <p:ext uri="{BB962C8B-B14F-4D97-AF65-F5344CB8AC3E}">
+        <p14:creationId xmlns:p14="http://schemas.microsoft.com/office/powerpoint/2010/main" val="1243333815"/>
+      </p:ext>
+    </p:extLst>
+  </p:cSld>
+  <p:clrMapOvr>
+    <a:masterClrMapping/>
+  </p:clrMapOvr>
+</p:sld>
+</file>
+
+<file path=ppt/slides/slide25.xml><?xml version="1.0" encoding="utf-8"?>
+<p:sld xmlns:a="http://schemas.openxmlformats.org/drawingml/2006/main" xmlns:r="http://schemas.openxmlformats.org/officeDocument/2006/relationships" xmlns:p="http://schemas.openxmlformats.org/presentationml/2006/main">
+  <p:cSld>
+    <p:spTree>
+      <p:nvGrpSpPr>
+        <p:cNvPr id="1" name=""/>
+        <p:cNvGrpSpPr/>
+        <p:nvPr/>
+      </p:nvGrpSpPr>
+      <p:grpSpPr>
+        <a:xfrm>
+          <a:off x="0" y="0"/>
+          <a:ext cx="0" cy="0"/>
+          <a:chOff x="0" y="0"/>
+          <a:chExt cx="0" cy="0"/>
+        </a:xfrm>
+      </p:grpSpPr>
+      <p:sp>
+        <p:nvSpPr>
           <p:cNvPr id="2" name="Title 1">
             <a:extLst>
               <a:ext uri="{FF2B5EF4-FFF2-40B4-BE49-F238E27FC236}">
@@ -7285,7 +8190,7 @@
 </p:sld>
 </file>
 
-<file path=ppt/slides/slide25.xml><?xml version="1.0" encoding="utf-8"?>
+<file path=ppt/slides/slide26.xml><?xml version="1.0" encoding="utf-8"?>
 <p:sld xmlns:a="http://schemas.openxmlformats.org/drawingml/2006/main" xmlns:r="http://schemas.openxmlformats.org/officeDocument/2006/relationships" xmlns:p="http://schemas.openxmlformats.org/presentationml/2006/main">
   <p:cSld>
     <p:spTree>
@@ -7697,10 +8602,10 @@
       </p:sp>
       <p:pic>
         <p:nvPicPr>
-          <p:cNvPr id="6" name="Picture 5" descr="A screenshot of a computer program&#10;&#10;Description automatically generated">
+          <p:cNvPr id="8" name="Picture 7" descr="A computer screen with green text&#10;&#10;Description automatically generated">
             <a:extLst>
               <a:ext uri="{FF2B5EF4-FFF2-40B4-BE49-F238E27FC236}">
-                <a16:creationId xmlns:a16="http://schemas.microsoft.com/office/drawing/2014/main" id="{721BFA2E-E508-74A9-25A0-FF3687831988}"/>
+                <a16:creationId xmlns:a16="http://schemas.microsoft.com/office/drawing/2014/main" id="{18268F07-FC81-9023-31F9-659B427CC472}"/>
               </a:ext>
             </a:extLst>
           </p:cNvPr>
@@ -7709,15 +8614,16 @@
           </p:cNvPicPr>
           <p:nvPr/>
         </p:nvPicPr>
-        <p:blipFill rotWithShape="1">
+        <p:blipFill>
           <a:blip r:embed="rId2"/>
-          <a:srcRect b="39259"/>
-          <a:stretch/>
+          <a:stretch>
+            <a:fillRect/>
+          </a:stretch>
         </p:blipFill>
         <p:spPr>
           <a:xfrm>
-            <a:off x="3480101" y="1733437"/>
-            <a:ext cx="8573354" cy="2786657"/>
+            <a:off x="3640668" y="1848799"/>
+            <a:ext cx="7772400" cy="1575629"/>
           </a:xfrm>
           <a:prstGeom prst="rect">
             <a:avLst/>
@@ -7871,10 +8777,10 @@
       </p:sp>
       <p:pic>
         <p:nvPicPr>
-          <p:cNvPr id="5" name="Picture 4" descr="A screenshot of a computer code&#10;&#10;Description automatically generated">
+          <p:cNvPr id="6" name="Picture 5" descr="A screen shot of a computer program&#10;&#10;Description automatically generated">
             <a:extLst>
               <a:ext uri="{FF2B5EF4-FFF2-40B4-BE49-F238E27FC236}">
-                <a16:creationId xmlns:a16="http://schemas.microsoft.com/office/drawing/2014/main" id="{B36302FD-DEE5-9904-BD0F-7FC5346EE570}"/>
+                <a16:creationId xmlns:a16="http://schemas.microsoft.com/office/drawing/2014/main" id="{077B47C5-AD9A-977B-6FF1-31A89C4FF796}"/>
               </a:ext>
             </a:extLst>
           </p:cNvPr>
@@ -7891,8 +8797,8 @@
         </p:blipFill>
         <p:spPr>
           <a:xfrm>
-            <a:off x="3653368" y="1674091"/>
-            <a:ext cx="7531100" cy="3149600"/>
+            <a:off x="3640668" y="1668040"/>
+            <a:ext cx="7772400" cy="2021039"/>
           </a:xfrm>
           <a:prstGeom prst="rect">
             <a:avLst/>
@@ -8025,10 +8931,10 @@
       </p:sp>
       <p:pic>
         <p:nvPicPr>
-          <p:cNvPr id="4" name="Picture 3" descr="A screenshot of a computer code&#10;&#10;Description automatically generated">
+          <p:cNvPr id="5" name="Picture 4" descr="A screen shot of a computer program&#10;&#10;Description automatically generated">
             <a:extLst>
               <a:ext uri="{FF2B5EF4-FFF2-40B4-BE49-F238E27FC236}">
-                <a16:creationId xmlns:a16="http://schemas.microsoft.com/office/drawing/2014/main" id="{877DF224-D4AA-3660-4C95-C448AD0EA238}"/>
+                <a16:creationId xmlns:a16="http://schemas.microsoft.com/office/drawing/2014/main" id="{7892F455-3268-DCE1-E7A7-33DE3003611B}"/>
               </a:ext>
             </a:extLst>
           </p:cNvPr>
@@ -8037,17 +8943,18 @@
           </p:cNvPicPr>
           <p:nvPr/>
         </p:nvPicPr>
-        <p:blipFill rotWithShape="1">
+        <p:blipFill>
           <a:blip r:embed="rId3">
-            <a:alphaModFix amt="25000"/>
+            <a:alphaModFix amt="20000"/>
           </a:blip>
-          <a:srcRect/>
-          <a:stretch/>
+          <a:stretch>
+            <a:fillRect/>
+          </a:stretch>
         </p:blipFill>
         <p:spPr>
           <a:xfrm>
-            <a:off x="3552174" y="1675245"/>
-            <a:ext cx="8386907" cy="3507509"/>
+            <a:off x="3640668" y="1668040"/>
+            <a:ext cx="7772400" cy="2021039"/>
           </a:xfrm>
           <a:prstGeom prst="rect">
             <a:avLst/>
@@ -8056,10 +8963,10 @@
       </p:pic>
       <p:pic>
         <p:nvPicPr>
-          <p:cNvPr id="8" name="Picture 7" descr="A screenshot of a computer code&#10;&#10;Description automatically generated">
+          <p:cNvPr id="6" name="Picture 5" descr="A screen shot of a computer program&#10;&#10;Description automatically generated">
             <a:extLst>
               <a:ext uri="{FF2B5EF4-FFF2-40B4-BE49-F238E27FC236}">
-                <a16:creationId xmlns:a16="http://schemas.microsoft.com/office/drawing/2014/main" id="{F6276E71-F30A-1F5F-01B8-B6E646E89669}"/>
+                <a16:creationId xmlns:a16="http://schemas.microsoft.com/office/drawing/2014/main" id="{1F0FB7DD-9158-AD9F-DAF9-8CB897F114D0}"/>
               </a:ext>
             </a:extLst>
           </p:cNvPr>
@@ -8070,13 +8977,13 @@
         </p:nvPicPr>
         <p:blipFill rotWithShape="1">
           <a:blip r:embed="rId3"/>
-          <a:srcRect t="36373" b="52962"/>
+          <a:srcRect t="44608" b="39929"/>
           <a:stretch/>
         </p:blipFill>
         <p:spPr>
           <a:xfrm>
-            <a:off x="3552173" y="2951018"/>
-            <a:ext cx="8386907" cy="374074"/>
+            <a:off x="3640668" y="2569580"/>
+            <a:ext cx="7772400" cy="312516"/>
           </a:xfrm>
           <a:prstGeom prst="rect">
             <a:avLst/>
@@ -8202,10 +9109,10 @@
       </p:sp>
       <p:pic>
         <p:nvPicPr>
-          <p:cNvPr id="4" name="Picture 3" descr="A screenshot of a computer code&#10;&#10;Description automatically generated">
+          <p:cNvPr id="6" name="Picture 5" descr="A screen shot of a computer program&#10;&#10;Description automatically generated">
             <a:extLst>
               <a:ext uri="{FF2B5EF4-FFF2-40B4-BE49-F238E27FC236}">
-                <a16:creationId xmlns:a16="http://schemas.microsoft.com/office/drawing/2014/main" id="{AD75475A-2CD3-5532-04B3-E517D1041B29}"/>
+                <a16:creationId xmlns:a16="http://schemas.microsoft.com/office/drawing/2014/main" id="{D93860EB-D22E-3E0D-63CB-4035E3A80D90}"/>
               </a:ext>
             </a:extLst>
           </p:cNvPr>
@@ -8214,17 +9121,18 @@
           </p:cNvPicPr>
           <p:nvPr/>
         </p:nvPicPr>
-        <p:blipFill rotWithShape="1">
+        <p:blipFill>
           <a:blip r:embed="rId2">
-            <a:alphaModFix amt="25000"/>
+            <a:alphaModFix amt="20000"/>
           </a:blip>
-          <a:srcRect/>
-          <a:stretch/>
+          <a:stretch>
+            <a:fillRect/>
+          </a:stretch>
         </p:blipFill>
         <p:spPr>
           <a:xfrm>
-            <a:off x="3552174" y="1675245"/>
-            <a:ext cx="8386907" cy="3507509"/>
+            <a:off x="3640668" y="1668040"/>
+            <a:ext cx="7772400" cy="2021039"/>
           </a:xfrm>
           <a:prstGeom prst="rect">
             <a:avLst/>
@@ -8233,10 +9141,10 @@
       </p:pic>
       <p:pic>
         <p:nvPicPr>
-          <p:cNvPr id="5" name="Picture 4" descr="A screenshot of a computer code&#10;&#10;Description automatically generated">
+          <p:cNvPr id="7" name="Picture 6" descr="A screen shot of a computer program&#10;&#10;Description automatically generated">
             <a:extLst>
               <a:ext uri="{FF2B5EF4-FFF2-40B4-BE49-F238E27FC236}">
-                <a16:creationId xmlns:a16="http://schemas.microsoft.com/office/drawing/2014/main" id="{EF476110-7C52-DED8-EB49-D4CB3938D5D1}"/>
+                <a16:creationId xmlns:a16="http://schemas.microsoft.com/office/drawing/2014/main" id="{E33696E2-C3B1-87E0-8BF0-8254158B97E5}"/>
               </a:ext>
             </a:extLst>
           </p:cNvPr>
@@ -8247,13 +9155,13 @@
         </p:nvPicPr>
         <p:blipFill rotWithShape="1">
           <a:blip r:embed="rId2"/>
-          <a:srcRect t="44516" b="43897"/>
+          <a:srcRect t="59498" b="24466"/>
           <a:stretch/>
         </p:blipFill>
         <p:spPr>
           <a:xfrm>
-            <a:off x="3552173" y="3236686"/>
-            <a:ext cx="8386907" cy="406400"/>
+            <a:off x="3640668" y="2870522"/>
+            <a:ext cx="7772400" cy="324090"/>
           </a:xfrm>
           <a:prstGeom prst="rect">
             <a:avLst/>
@@ -8343,16 +9251,24 @@
           <a:p>
             <a:r>
               <a:rPr lang="en-US" sz="2400" dirty="0"/>
-              <a:t>Then it reads each line inside the definition, but these don’t get </a:t>
-            </a:r>
-            <a:r>
-              <a:rPr lang="en-US" sz="2400" b="1" dirty="0"/>
-              <a:t>executed</a:t>
-            </a:r>
-            <a:r>
-              <a:rPr lang="en-US" sz="2400" dirty="0"/>
-              <a:t> yet</a:t>
-            </a:r>
+              <a:t>At this stage, we’ve given python a “recipe” for what we want it to do when we call </a:t>
+            </a:r>
+            <a:r>
+              <a:rPr lang="en-US" sz="2400" b="1" dirty="0">
+                <a:latin typeface="Courier" pitchFamily="2" charset="0"/>
+              </a:rPr>
+              <a:t>main()</a:t>
+            </a:r>
+          </a:p>
+          <a:p>
+            <a:endParaRPr lang="en-US" sz="2400" b="1" dirty="0">
+              <a:latin typeface="Courier" pitchFamily="2" charset="0"/>
+            </a:endParaRPr>
+          </a:p>
+          <a:p>
+            <a:endParaRPr lang="en-US" sz="2400" b="1" dirty="0">
+              <a:latin typeface="Courier" pitchFamily="2" charset="0"/>
+            </a:endParaRPr>
           </a:p>
           <a:p>
             <a:endParaRPr lang="en-US" sz="2400" dirty="0"/>
@@ -8375,14 +9291,24 @@
             </a:pPr>
             <a:endParaRPr lang="en-US" sz="2400" dirty="0"/>
           </a:p>
+          <a:p>
+            <a:r>
+              <a:rPr lang="en-US" sz="2400" dirty="0"/>
+              <a:t>If we stop here, </a:t>
+            </a:r>
+            <a:r>
+              <a:rPr lang="en-US" sz="2400" b="1" dirty="0"/>
+              <a:t>nothing will actually happen</a:t>
+            </a:r>
+          </a:p>
         </p:txBody>
       </p:sp>
       <p:pic>
         <p:nvPicPr>
-          <p:cNvPr id="4" name="Picture 3" descr="A screenshot of a computer code&#10;&#10;Description automatically generated">
+          <p:cNvPr id="6" name="Picture 5" descr="A screen shot of a computer program&#10;&#10;Description automatically generated">
             <a:extLst>
               <a:ext uri="{FF2B5EF4-FFF2-40B4-BE49-F238E27FC236}">
-                <a16:creationId xmlns:a16="http://schemas.microsoft.com/office/drawing/2014/main" id="{AD75475A-2CD3-5532-04B3-E517D1041B29}"/>
+                <a16:creationId xmlns:a16="http://schemas.microsoft.com/office/drawing/2014/main" id="{E6E1BE71-8520-EB7F-2007-715FA852AC86}"/>
               </a:ext>
             </a:extLst>
           </p:cNvPr>
@@ -8391,17 +9317,18 @@
           </p:cNvPicPr>
           <p:nvPr/>
         </p:nvPicPr>
-        <p:blipFill rotWithShape="1">
+        <p:blipFill>
           <a:blip r:embed="rId2">
-            <a:alphaModFix amt="25000"/>
+            <a:alphaModFix amt="20000"/>
           </a:blip>
-          <a:srcRect/>
-          <a:stretch/>
+          <a:stretch>
+            <a:fillRect/>
+          </a:stretch>
         </p:blipFill>
         <p:spPr>
           <a:xfrm>
-            <a:off x="3552174" y="1675245"/>
-            <a:ext cx="8386907" cy="3507509"/>
+            <a:off x="3640668" y="1668040"/>
+            <a:ext cx="7772400" cy="2021039"/>
           </a:xfrm>
           <a:prstGeom prst="rect">
             <a:avLst/>
@@ -8410,10 +9337,10 @@
       </p:pic>
       <p:pic>
         <p:nvPicPr>
-          <p:cNvPr id="5" name="Picture 4" descr="A screenshot of a computer code&#10;&#10;Description automatically generated">
+          <p:cNvPr id="7" name="Picture 6" descr="A screen shot of a computer program&#10;&#10;Description automatically generated">
             <a:extLst>
               <a:ext uri="{FF2B5EF4-FFF2-40B4-BE49-F238E27FC236}">
-                <a16:creationId xmlns:a16="http://schemas.microsoft.com/office/drawing/2014/main" id="{EF476110-7C52-DED8-EB49-D4CB3938D5D1}"/>
+                <a16:creationId xmlns:a16="http://schemas.microsoft.com/office/drawing/2014/main" id="{969A7309-AFFE-4065-CCC4-3932189BA314}"/>
               </a:ext>
             </a:extLst>
           </p:cNvPr>
@@ -8424,13 +9351,13 @@
         </p:nvPicPr>
         <p:blipFill rotWithShape="1">
           <a:blip r:embed="rId2"/>
-          <a:srcRect t="53620" b="35621"/>
+          <a:srcRect t="44608" b="23893"/>
           <a:stretch/>
         </p:blipFill>
         <p:spPr>
           <a:xfrm>
-            <a:off x="3552173" y="3556000"/>
-            <a:ext cx="8386907" cy="377370"/>
+            <a:off x="3640668" y="2569579"/>
+            <a:ext cx="7772400" cy="636607"/>
           </a:xfrm>
           <a:prstGeom prst="rect">
             <a:avLst/>
@@ -8440,7 +9367,7 @@
     </p:spTree>
     <p:extLst>
       <p:ext uri="{BB962C8B-B14F-4D97-AF65-F5344CB8AC3E}">
-        <p14:creationId xmlns:p14="http://schemas.microsoft.com/office/powerpoint/2010/main" val="3200374632"/>
+        <p14:creationId xmlns:p14="http://schemas.microsoft.com/office/powerpoint/2010/main" val="3439807040"/>
       </p:ext>
     </p:extLst>
   </p:cSld>
